--- a/SeminarPräsentation.pptx
+++ b/SeminarPräsentation.pptx
@@ -5,15 +5,30 @@
     <p:sldMasterId id="2147483696" r:id="rId1"/>
   </p:sldMasterIdLst>
   <p:notesMasterIdLst>
-    <p:notesMasterId r:id="rId5"/>
+    <p:notesMasterId r:id="rId20"/>
   </p:notesMasterIdLst>
   <p:handoutMasterIdLst>
-    <p:handoutMasterId r:id="rId6"/>
+    <p:handoutMasterId r:id="rId21"/>
   </p:handoutMasterIdLst>
   <p:sldIdLst>
     <p:sldId id="269" r:id="rId2"/>
-    <p:sldId id="349" r:id="rId3"/>
-    <p:sldId id="335" r:id="rId4"/>
+    <p:sldId id="335" r:id="rId3"/>
+    <p:sldId id="350" r:id="rId4"/>
+    <p:sldId id="352" r:id="rId5"/>
+    <p:sldId id="351" r:id="rId6"/>
+    <p:sldId id="353" r:id="rId7"/>
+    <p:sldId id="354" r:id="rId8"/>
+    <p:sldId id="355" r:id="rId9"/>
+    <p:sldId id="356" r:id="rId10"/>
+    <p:sldId id="357" r:id="rId11"/>
+    <p:sldId id="360" r:id="rId12"/>
+    <p:sldId id="361" r:id="rId13"/>
+    <p:sldId id="362" r:id="rId14"/>
+    <p:sldId id="363" r:id="rId15"/>
+    <p:sldId id="358" r:id="rId16"/>
+    <p:sldId id="359" r:id="rId17"/>
+    <p:sldId id="364" r:id="rId18"/>
+    <p:sldId id="349" r:id="rId19"/>
   </p:sldIdLst>
   <p:sldSz cx="12192000" cy="6858000"/>
   <p:notesSz cx="6797675" cy="9926638"/>
@@ -213,7 +228,7 @@
           <a:p>
             <a:fld id="{1C948204-3A03-48C0-926A-1D9A3F1B9545}" type="datetimeFigureOut">
               <a:rPr lang="de-DE" smtClean="0"/>
-              <a:t>31.01.2020</a:t>
+              <a:t>03.02.2020</a:t>
             </a:fld>
             <a:endParaRPr lang="de-DE"/>
           </a:p>
@@ -378,7 +393,7 @@
           <a:p>
             <a:fld id="{3743E2BA-3F93-428C-8AA0-502F22A34CA1}" type="datetimeFigureOut">
               <a:rPr lang="de-DE" smtClean="0"/>
-              <a:t>31.01.2020</a:t>
+              <a:t>03.02.2020</a:t>
             </a:fld>
             <a:endParaRPr lang="de-DE"/>
           </a:p>
@@ -963,7 +978,7 @@
           <a:p>
             <a:fld id="{53A122DC-E65E-4831-B1FC-79371E1FDAFD}" type="datetime1">
               <a:rPr lang="de-DE" smtClean="0"/>
-              <a:t>31.01.2020</a:t>
+              <a:t>03.02.2020</a:t>
             </a:fld>
             <a:endParaRPr lang="de-DE"/>
           </a:p>
@@ -1085,7 +1100,7 @@
           <a:p>
             <a:fld id="{0EFD88E8-E3B4-4F63-9B6A-397BBE84E994}" type="datetime1">
               <a:rPr lang="de-DE" smtClean="0"/>
-              <a:t>31.01.2020</a:t>
+              <a:t>03.02.2020</a:t>
             </a:fld>
             <a:endParaRPr lang="de-DE"/>
           </a:p>
@@ -1205,7 +1220,7 @@
           <a:p>
             <a:fld id="{6B5520EA-7866-43CC-A22C-06A244395395}" type="datetime1">
               <a:rPr lang="de-DE" smtClean="0"/>
-              <a:t>31.01.2020</a:t>
+              <a:t>03.02.2020</a:t>
             </a:fld>
             <a:endParaRPr lang="de-DE"/>
           </a:p>
@@ -1454,7 +1469,7 @@
           <a:p>
             <a:fld id="{FFBFF599-8F9C-4CE2-8F58-C5B6B519BBF0}" type="datetime1">
               <a:rPr lang="de-DE" smtClean="0"/>
-              <a:t>31.01.2020</a:t>
+              <a:t>03.02.2020</a:t>
             </a:fld>
             <a:endParaRPr lang="de-DE"/>
           </a:p>
@@ -3075,7 +3090,7 @@
           <a:p>
             <a:fld id="{FEE94A3F-5697-4B72-A7D0-00CD2FB685A4}" type="datetime1">
               <a:rPr lang="de-DE" smtClean="0"/>
-              <a:t>31.01.2020</a:t>
+              <a:t>03.02.2020</a:t>
             </a:fld>
             <a:endParaRPr lang="de-DE"/>
           </a:p>
@@ -3317,7 +3332,7 @@
           <a:p>
             <a:fld id="{A927011E-07EB-4C65-B5CB-E33BDF76C761}" type="datetime1">
               <a:rPr lang="de-DE" smtClean="0"/>
-              <a:t>31.01.2020</a:t>
+              <a:t>03.02.2020</a:t>
             </a:fld>
             <a:endParaRPr lang="de-DE" dirty="0"/>
           </a:p>
@@ -3631,7 +3646,7 @@
           <a:p>
             <a:fld id="{38C7C6CE-E6DB-4DA4-8B2A-56FED52874C0}" type="datetime1">
               <a:rPr lang="de-DE" smtClean="0"/>
-              <a:t>31.01.2020</a:t>
+              <a:t>03.02.2020</a:t>
             </a:fld>
             <a:endParaRPr lang="de-DE"/>
           </a:p>
@@ -3763,7 +3778,7 @@
           <a:p>
             <a:fld id="{D9416DEA-2025-4EAA-BCBF-99C6698F7272}" type="datetime1">
               <a:rPr lang="de-DE" smtClean="0"/>
-              <a:t>31.01.2020</a:t>
+              <a:t>03.02.2020</a:t>
             </a:fld>
             <a:endParaRPr lang="de-DE"/>
           </a:p>
@@ -3979,7 +3994,7 @@
           <a:p>
             <a:fld id="{22571D38-B650-49C4-B5B7-5AC2E181F9D3}" type="datetime1">
               <a:rPr lang="de-DE" smtClean="0"/>
-              <a:t>31.01.2020</a:t>
+              <a:t>03.02.2020</a:t>
             </a:fld>
             <a:endParaRPr lang="de-DE" dirty="0"/>
           </a:p>
@@ -4469,8 +4484,24 @@
           <a:p>
             <a:r>
               <a:rPr lang="de-DE" dirty="0"/>
-              <a:t>Titel</a:t>
-            </a:r>
+              <a:t>Python </a:t>
+            </a:r>
+            <a:r>
+              <a:rPr lang="de-DE" dirty="0" err="1"/>
+              <a:t>Machine</a:t>
+            </a:r>
+            <a:r>
+              <a:rPr lang="de-DE" dirty="0"/>
+              <a:t> Learning: </a:t>
+            </a:r>
+            <a:br>
+              <a:rPr lang="de-DE" dirty="0"/>
+            </a:br>
+            <a:r>
+              <a:rPr lang="de-DE" dirty="0" err="1"/>
+              <a:t>TensorFlow</a:t>
+            </a:r>
+            <a:endParaRPr lang="de-DE" dirty="0"/>
           </a:p>
         </p:txBody>
       </p:sp>
@@ -4500,6 +4531,1360 @@
     <p:extLst>
       <p:ext uri="{BB962C8B-B14F-4D97-AF65-F5344CB8AC3E}">
         <p14:creationId xmlns:p14="http://schemas.microsoft.com/office/powerpoint/2010/main" val="1945353189"/>
+      </p:ext>
+    </p:extLst>
+  </p:cSld>
+  <p:clrMapOvr>
+    <a:masterClrMapping/>
+  </p:clrMapOvr>
+</p:sld>
+</file>
+
+<file path=ppt/slides/slide10.xml><?xml version="1.0" encoding="utf-8"?>
+<p:sld xmlns:a="http://schemas.openxmlformats.org/drawingml/2006/main" xmlns:r="http://schemas.openxmlformats.org/officeDocument/2006/relationships" xmlns:p="http://schemas.openxmlformats.org/presentationml/2006/main">
+  <p:cSld>
+    <p:spTree>
+      <p:nvGrpSpPr>
+        <p:cNvPr id="1" name=""/>
+        <p:cNvGrpSpPr/>
+        <p:nvPr/>
+      </p:nvGrpSpPr>
+      <p:grpSpPr>
+        <a:xfrm>
+          <a:off x="0" y="0"/>
+          <a:ext cx="0" cy="0"/>
+          <a:chOff x="0" y="0"/>
+          <a:chExt cx="0" cy="0"/>
+        </a:xfrm>
+      </p:grpSpPr>
+      <p:sp>
+        <p:nvSpPr>
+          <p:cNvPr id="2" name="Titel 1"/>
+          <p:cNvSpPr>
+            <a:spLocks noGrp="1"/>
+          </p:cNvSpPr>
+          <p:nvPr>
+            <p:ph type="title"/>
+          </p:nvPr>
+        </p:nvSpPr>
+        <p:spPr>
+          <a:xfrm>
+            <a:off x="487446" y="990599"/>
+            <a:ext cx="11224554" cy="685800"/>
+          </a:xfrm>
+        </p:spPr>
+        <p:txBody>
+          <a:bodyPr/>
+          <a:lstStyle/>
+          <a:p>
+            <a:r>
+              <a:rPr lang="de-DE" dirty="0"/>
+              <a:t>Praktisches Beispiel</a:t>
+            </a:r>
+            <a:br>
+              <a:rPr lang="de-DE" dirty="0"/>
+            </a:br>
+            <a:r>
+              <a:rPr lang="de-DE" dirty="0"/>
+              <a:t>Zielsetzung</a:t>
+            </a:r>
+          </a:p>
+        </p:txBody>
+      </p:sp>
+      <p:sp>
+        <p:nvSpPr>
+          <p:cNvPr id="5" name="Fußzeilenplatzhalter 4"/>
+          <p:cNvSpPr>
+            <a:spLocks noGrp="1"/>
+          </p:cNvSpPr>
+          <p:nvPr>
+            <p:ph type="ftr" sz="quarter" idx="11"/>
+          </p:nvPr>
+        </p:nvSpPr>
+        <p:spPr/>
+        <p:txBody>
+          <a:bodyPr/>
+          <a:lstStyle/>
+          <a:p>
+            <a:r>
+              <a:rPr lang="de-DE" dirty="0"/>
+              <a:t>Referent · Titel</a:t>
+            </a:r>
+          </a:p>
+        </p:txBody>
+      </p:sp>
+      <p:sp>
+        <p:nvSpPr>
+          <p:cNvPr id="6" name="Foliennummernplatzhalter 5"/>
+          <p:cNvSpPr>
+            <a:spLocks noGrp="1"/>
+          </p:cNvSpPr>
+          <p:nvPr>
+            <p:ph type="sldNum" sz="quarter" idx="12"/>
+          </p:nvPr>
+        </p:nvSpPr>
+        <p:spPr/>
+        <p:txBody>
+          <a:bodyPr/>
+          <a:lstStyle/>
+          <a:p>
+            <a:fld id="{70C9534A-BDEF-4E2F-87B7-7CFE3C6EE2A5}" type="slidenum">
+              <a:rPr lang="de-DE" smtClean="0"/>
+              <a:t>10</a:t>
+            </a:fld>
+            <a:endParaRPr lang="de-DE" dirty="0"/>
+          </a:p>
+        </p:txBody>
+      </p:sp>
+      <p:sp>
+        <p:nvSpPr>
+          <p:cNvPr id="4" name="Datumsplatzhalter 3"/>
+          <p:cNvSpPr>
+            <a:spLocks noGrp="1"/>
+          </p:cNvSpPr>
+          <p:nvPr>
+            <p:ph type="dt" sz="half" idx="10"/>
+          </p:nvPr>
+        </p:nvSpPr>
+        <p:spPr/>
+        <p:txBody>
+          <a:bodyPr/>
+          <a:lstStyle/>
+          <a:p>
+            <a:fld id="{54E6CF9F-C543-40C0-8350-A441EA94497E}" type="datetime1">
+              <a:rPr lang="de-DE" smtClean="0"/>
+              <a:t>03.02.2020</a:t>
+            </a:fld>
+            <a:endParaRPr lang="de-DE" dirty="0"/>
+          </a:p>
+        </p:txBody>
+      </p:sp>
+      <p:sp>
+        <p:nvSpPr>
+          <p:cNvPr id="8" name="Inhaltsplatzhalter 7">
+            <a:extLst>
+              <a:ext uri="{FF2B5EF4-FFF2-40B4-BE49-F238E27FC236}">
+                <a16:creationId xmlns:a16="http://schemas.microsoft.com/office/drawing/2014/main" id="{C0F38407-A961-4580-8B6C-9B3834F54617}"/>
+              </a:ext>
+            </a:extLst>
+          </p:cNvPr>
+          <p:cNvSpPr>
+            <a:spLocks noGrp="1"/>
+          </p:cNvSpPr>
+          <p:nvPr>
+            <p:ph idx="1"/>
+          </p:nvPr>
+        </p:nvSpPr>
+        <p:spPr/>
+        <p:txBody>
+          <a:bodyPr/>
+          <a:lstStyle/>
+          <a:p>
+            <a:endParaRPr lang="de-DE"/>
+          </a:p>
+        </p:txBody>
+      </p:sp>
+    </p:spTree>
+    <p:extLst>
+      <p:ext uri="{BB962C8B-B14F-4D97-AF65-F5344CB8AC3E}">
+        <p14:creationId xmlns:p14="http://schemas.microsoft.com/office/powerpoint/2010/main" val="3328634768"/>
+      </p:ext>
+    </p:extLst>
+  </p:cSld>
+  <p:clrMapOvr>
+    <a:masterClrMapping/>
+  </p:clrMapOvr>
+</p:sld>
+</file>
+
+<file path=ppt/slides/slide11.xml><?xml version="1.0" encoding="utf-8"?>
+<p:sld xmlns:a="http://schemas.openxmlformats.org/drawingml/2006/main" xmlns:r="http://schemas.openxmlformats.org/officeDocument/2006/relationships" xmlns:p="http://schemas.openxmlformats.org/presentationml/2006/main">
+  <p:cSld>
+    <p:spTree>
+      <p:nvGrpSpPr>
+        <p:cNvPr id="1" name=""/>
+        <p:cNvGrpSpPr/>
+        <p:nvPr/>
+      </p:nvGrpSpPr>
+      <p:grpSpPr>
+        <a:xfrm>
+          <a:off x="0" y="0"/>
+          <a:ext cx="0" cy="0"/>
+          <a:chOff x="0" y="0"/>
+          <a:chExt cx="0" cy="0"/>
+        </a:xfrm>
+      </p:grpSpPr>
+      <p:sp>
+        <p:nvSpPr>
+          <p:cNvPr id="2" name="Titel 1"/>
+          <p:cNvSpPr>
+            <a:spLocks noGrp="1"/>
+          </p:cNvSpPr>
+          <p:nvPr>
+            <p:ph type="title"/>
+          </p:nvPr>
+        </p:nvSpPr>
+        <p:spPr>
+          <a:xfrm>
+            <a:off x="487446" y="990599"/>
+            <a:ext cx="11224554" cy="685800"/>
+          </a:xfrm>
+        </p:spPr>
+        <p:txBody>
+          <a:bodyPr/>
+          <a:lstStyle/>
+          <a:p>
+            <a:r>
+              <a:rPr lang="de-DE" dirty="0"/>
+              <a:t>Praktisches Beispiel</a:t>
+            </a:r>
+            <a:br>
+              <a:rPr lang="de-DE" dirty="0"/>
+            </a:br>
+            <a:r>
+              <a:rPr lang="de-DE" dirty="0"/>
+              <a:t>Datensätze</a:t>
+            </a:r>
+          </a:p>
+        </p:txBody>
+      </p:sp>
+      <p:sp>
+        <p:nvSpPr>
+          <p:cNvPr id="5" name="Fußzeilenplatzhalter 4"/>
+          <p:cNvSpPr>
+            <a:spLocks noGrp="1"/>
+          </p:cNvSpPr>
+          <p:nvPr>
+            <p:ph type="ftr" sz="quarter" idx="11"/>
+          </p:nvPr>
+        </p:nvSpPr>
+        <p:spPr/>
+        <p:txBody>
+          <a:bodyPr/>
+          <a:lstStyle/>
+          <a:p>
+            <a:r>
+              <a:rPr lang="de-DE" dirty="0"/>
+              <a:t>Referent · Titel</a:t>
+            </a:r>
+          </a:p>
+        </p:txBody>
+      </p:sp>
+      <p:sp>
+        <p:nvSpPr>
+          <p:cNvPr id="6" name="Foliennummernplatzhalter 5"/>
+          <p:cNvSpPr>
+            <a:spLocks noGrp="1"/>
+          </p:cNvSpPr>
+          <p:nvPr>
+            <p:ph type="sldNum" sz="quarter" idx="12"/>
+          </p:nvPr>
+        </p:nvSpPr>
+        <p:spPr/>
+        <p:txBody>
+          <a:bodyPr/>
+          <a:lstStyle/>
+          <a:p>
+            <a:fld id="{70C9534A-BDEF-4E2F-87B7-7CFE3C6EE2A5}" type="slidenum">
+              <a:rPr lang="de-DE" smtClean="0"/>
+              <a:t>11</a:t>
+            </a:fld>
+            <a:endParaRPr lang="de-DE" dirty="0"/>
+          </a:p>
+        </p:txBody>
+      </p:sp>
+      <p:sp>
+        <p:nvSpPr>
+          <p:cNvPr id="4" name="Datumsplatzhalter 3"/>
+          <p:cNvSpPr>
+            <a:spLocks noGrp="1"/>
+          </p:cNvSpPr>
+          <p:nvPr>
+            <p:ph type="dt" sz="half" idx="10"/>
+          </p:nvPr>
+        </p:nvSpPr>
+        <p:spPr/>
+        <p:txBody>
+          <a:bodyPr/>
+          <a:lstStyle/>
+          <a:p>
+            <a:fld id="{54E6CF9F-C543-40C0-8350-A441EA94497E}" type="datetime1">
+              <a:rPr lang="de-DE" smtClean="0"/>
+              <a:t>03.02.2020</a:t>
+            </a:fld>
+            <a:endParaRPr lang="de-DE" dirty="0"/>
+          </a:p>
+        </p:txBody>
+      </p:sp>
+      <p:sp>
+        <p:nvSpPr>
+          <p:cNvPr id="8" name="Inhaltsplatzhalter 7">
+            <a:extLst>
+              <a:ext uri="{FF2B5EF4-FFF2-40B4-BE49-F238E27FC236}">
+                <a16:creationId xmlns:a16="http://schemas.microsoft.com/office/drawing/2014/main" id="{C0F38407-A961-4580-8B6C-9B3834F54617}"/>
+              </a:ext>
+            </a:extLst>
+          </p:cNvPr>
+          <p:cNvSpPr>
+            <a:spLocks noGrp="1"/>
+          </p:cNvSpPr>
+          <p:nvPr>
+            <p:ph idx="1"/>
+          </p:nvPr>
+        </p:nvSpPr>
+        <p:spPr/>
+        <p:txBody>
+          <a:bodyPr/>
+          <a:lstStyle/>
+          <a:p>
+            <a:endParaRPr lang="de-DE"/>
+          </a:p>
+        </p:txBody>
+      </p:sp>
+    </p:spTree>
+    <p:extLst>
+      <p:ext uri="{BB962C8B-B14F-4D97-AF65-F5344CB8AC3E}">
+        <p14:creationId xmlns:p14="http://schemas.microsoft.com/office/powerpoint/2010/main" val="1008569157"/>
+      </p:ext>
+    </p:extLst>
+  </p:cSld>
+  <p:clrMapOvr>
+    <a:masterClrMapping/>
+  </p:clrMapOvr>
+</p:sld>
+</file>
+
+<file path=ppt/slides/slide12.xml><?xml version="1.0" encoding="utf-8"?>
+<p:sld xmlns:a="http://schemas.openxmlformats.org/drawingml/2006/main" xmlns:r="http://schemas.openxmlformats.org/officeDocument/2006/relationships" xmlns:p="http://schemas.openxmlformats.org/presentationml/2006/main">
+  <p:cSld>
+    <p:spTree>
+      <p:nvGrpSpPr>
+        <p:cNvPr id="1" name=""/>
+        <p:cNvGrpSpPr/>
+        <p:nvPr/>
+      </p:nvGrpSpPr>
+      <p:grpSpPr>
+        <a:xfrm>
+          <a:off x="0" y="0"/>
+          <a:ext cx="0" cy="0"/>
+          <a:chOff x="0" y="0"/>
+          <a:chExt cx="0" cy="0"/>
+        </a:xfrm>
+      </p:grpSpPr>
+      <p:sp>
+        <p:nvSpPr>
+          <p:cNvPr id="2" name="Titel 1"/>
+          <p:cNvSpPr>
+            <a:spLocks noGrp="1"/>
+          </p:cNvSpPr>
+          <p:nvPr>
+            <p:ph type="title"/>
+          </p:nvPr>
+        </p:nvSpPr>
+        <p:spPr>
+          <a:xfrm>
+            <a:off x="487446" y="990599"/>
+            <a:ext cx="11224554" cy="685800"/>
+          </a:xfrm>
+        </p:spPr>
+        <p:txBody>
+          <a:bodyPr/>
+          <a:lstStyle/>
+          <a:p>
+            <a:r>
+              <a:rPr lang="de-DE" dirty="0"/>
+              <a:t>Praktisches Beispiel</a:t>
+            </a:r>
+            <a:br>
+              <a:rPr lang="de-DE" dirty="0"/>
+            </a:br>
+            <a:r>
+              <a:rPr lang="de-DE" dirty="0"/>
+              <a:t>Erstellen des Netzes</a:t>
+            </a:r>
+          </a:p>
+        </p:txBody>
+      </p:sp>
+      <p:sp>
+        <p:nvSpPr>
+          <p:cNvPr id="5" name="Fußzeilenplatzhalter 4"/>
+          <p:cNvSpPr>
+            <a:spLocks noGrp="1"/>
+          </p:cNvSpPr>
+          <p:nvPr>
+            <p:ph type="ftr" sz="quarter" idx="11"/>
+          </p:nvPr>
+        </p:nvSpPr>
+        <p:spPr/>
+        <p:txBody>
+          <a:bodyPr/>
+          <a:lstStyle/>
+          <a:p>
+            <a:r>
+              <a:rPr lang="de-DE" dirty="0"/>
+              <a:t>Referent · Titel</a:t>
+            </a:r>
+          </a:p>
+        </p:txBody>
+      </p:sp>
+      <p:sp>
+        <p:nvSpPr>
+          <p:cNvPr id="6" name="Foliennummernplatzhalter 5"/>
+          <p:cNvSpPr>
+            <a:spLocks noGrp="1"/>
+          </p:cNvSpPr>
+          <p:nvPr>
+            <p:ph type="sldNum" sz="quarter" idx="12"/>
+          </p:nvPr>
+        </p:nvSpPr>
+        <p:spPr/>
+        <p:txBody>
+          <a:bodyPr/>
+          <a:lstStyle/>
+          <a:p>
+            <a:fld id="{70C9534A-BDEF-4E2F-87B7-7CFE3C6EE2A5}" type="slidenum">
+              <a:rPr lang="de-DE" smtClean="0"/>
+              <a:t>12</a:t>
+            </a:fld>
+            <a:endParaRPr lang="de-DE" dirty="0"/>
+          </a:p>
+        </p:txBody>
+      </p:sp>
+      <p:sp>
+        <p:nvSpPr>
+          <p:cNvPr id="4" name="Datumsplatzhalter 3"/>
+          <p:cNvSpPr>
+            <a:spLocks noGrp="1"/>
+          </p:cNvSpPr>
+          <p:nvPr>
+            <p:ph type="dt" sz="half" idx="10"/>
+          </p:nvPr>
+        </p:nvSpPr>
+        <p:spPr/>
+        <p:txBody>
+          <a:bodyPr/>
+          <a:lstStyle/>
+          <a:p>
+            <a:fld id="{54E6CF9F-C543-40C0-8350-A441EA94497E}" type="datetime1">
+              <a:rPr lang="de-DE" smtClean="0"/>
+              <a:t>03.02.2020</a:t>
+            </a:fld>
+            <a:endParaRPr lang="de-DE" dirty="0"/>
+          </a:p>
+        </p:txBody>
+      </p:sp>
+      <p:sp>
+        <p:nvSpPr>
+          <p:cNvPr id="8" name="Inhaltsplatzhalter 7">
+            <a:extLst>
+              <a:ext uri="{FF2B5EF4-FFF2-40B4-BE49-F238E27FC236}">
+                <a16:creationId xmlns:a16="http://schemas.microsoft.com/office/drawing/2014/main" id="{C0F38407-A961-4580-8B6C-9B3834F54617}"/>
+              </a:ext>
+            </a:extLst>
+          </p:cNvPr>
+          <p:cNvSpPr>
+            <a:spLocks noGrp="1"/>
+          </p:cNvSpPr>
+          <p:nvPr>
+            <p:ph idx="1"/>
+          </p:nvPr>
+        </p:nvSpPr>
+        <p:spPr/>
+        <p:txBody>
+          <a:bodyPr/>
+          <a:lstStyle/>
+          <a:p>
+            <a:endParaRPr lang="de-DE"/>
+          </a:p>
+        </p:txBody>
+      </p:sp>
+    </p:spTree>
+    <p:extLst>
+      <p:ext uri="{BB962C8B-B14F-4D97-AF65-F5344CB8AC3E}">
+        <p14:creationId xmlns:p14="http://schemas.microsoft.com/office/powerpoint/2010/main" val="1586480407"/>
+      </p:ext>
+    </p:extLst>
+  </p:cSld>
+  <p:clrMapOvr>
+    <a:masterClrMapping/>
+  </p:clrMapOvr>
+</p:sld>
+</file>
+
+<file path=ppt/slides/slide13.xml><?xml version="1.0" encoding="utf-8"?>
+<p:sld xmlns:a="http://schemas.openxmlformats.org/drawingml/2006/main" xmlns:r="http://schemas.openxmlformats.org/officeDocument/2006/relationships" xmlns:p="http://schemas.openxmlformats.org/presentationml/2006/main">
+  <p:cSld>
+    <p:spTree>
+      <p:nvGrpSpPr>
+        <p:cNvPr id="1" name=""/>
+        <p:cNvGrpSpPr/>
+        <p:nvPr/>
+      </p:nvGrpSpPr>
+      <p:grpSpPr>
+        <a:xfrm>
+          <a:off x="0" y="0"/>
+          <a:ext cx="0" cy="0"/>
+          <a:chOff x="0" y="0"/>
+          <a:chExt cx="0" cy="0"/>
+        </a:xfrm>
+      </p:grpSpPr>
+      <p:sp>
+        <p:nvSpPr>
+          <p:cNvPr id="2" name="Titel 1"/>
+          <p:cNvSpPr>
+            <a:spLocks noGrp="1"/>
+          </p:cNvSpPr>
+          <p:nvPr>
+            <p:ph type="title"/>
+          </p:nvPr>
+        </p:nvSpPr>
+        <p:spPr>
+          <a:xfrm>
+            <a:off x="487446" y="990599"/>
+            <a:ext cx="11224554" cy="685800"/>
+          </a:xfrm>
+        </p:spPr>
+        <p:txBody>
+          <a:bodyPr/>
+          <a:lstStyle/>
+          <a:p>
+            <a:r>
+              <a:rPr lang="de-DE" dirty="0"/>
+              <a:t>Praktisches Beispiel</a:t>
+            </a:r>
+            <a:br>
+              <a:rPr lang="de-DE" dirty="0"/>
+            </a:br>
+            <a:r>
+              <a:rPr lang="de-DE" dirty="0"/>
+              <a:t>Auswertung</a:t>
+            </a:r>
+          </a:p>
+        </p:txBody>
+      </p:sp>
+      <p:sp>
+        <p:nvSpPr>
+          <p:cNvPr id="5" name="Fußzeilenplatzhalter 4"/>
+          <p:cNvSpPr>
+            <a:spLocks noGrp="1"/>
+          </p:cNvSpPr>
+          <p:nvPr>
+            <p:ph type="ftr" sz="quarter" idx="11"/>
+          </p:nvPr>
+        </p:nvSpPr>
+        <p:spPr/>
+        <p:txBody>
+          <a:bodyPr/>
+          <a:lstStyle/>
+          <a:p>
+            <a:r>
+              <a:rPr lang="de-DE" dirty="0"/>
+              <a:t>Referent · Titel</a:t>
+            </a:r>
+          </a:p>
+        </p:txBody>
+      </p:sp>
+      <p:sp>
+        <p:nvSpPr>
+          <p:cNvPr id="6" name="Foliennummernplatzhalter 5"/>
+          <p:cNvSpPr>
+            <a:spLocks noGrp="1"/>
+          </p:cNvSpPr>
+          <p:nvPr>
+            <p:ph type="sldNum" sz="quarter" idx="12"/>
+          </p:nvPr>
+        </p:nvSpPr>
+        <p:spPr/>
+        <p:txBody>
+          <a:bodyPr/>
+          <a:lstStyle/>
+          <a:p>
+            <a:fld id="{70C9534A-BDEF-4E2F-87B7-7CFE3C6EE2A5}" type="slidenum">
+              <a:rPr lang="de-DE" smtClean="0"/>
+              <a:t>13</a:t>
+            </a:fld>
+            <a:endParaRPr lang="de-DE" dirty="0"/>
+          </a:p>
+        </p:txBody>
+      </p:sp>
+      <p:sp>
+        <p:nvSpPr>
+          <p:cNvPr id="4" name="Datumsplatzhalter 3"/>
+          <p:cNvSpPr>
+            <a:spLocks noGrp="1"/>
+          </p:cNvSpPr>
+          <p:nvPr>
+            <p:ph type="dt" sz="half" idx="10"/>
+          </p:nvPr>
+        </p:nvSpPr>
+        <p:spPr/>
+        <p:txBody>
+          <a:bodyPr/>
+          <a:lstStyle/>
+          <a:p>
+            <a:fld id="{54E6CF9F-C543-40C0-8350-A441EA94497E}" type="datetime1">
+              <a:rPr lang="de-DE" smtClean="0"/>
+              <a:t>03.02.2020</a:t>
+            </a:fld>
+            <a:endParaRPr lang="de-DE" dirty="0"/>
+          </a:p>
+        </p:txBody>
+      </p:sp>
+      <p:sp>
+        <p:nvSpPr>
+          <p:cNvPr id="8" name="Inhaltsplatzhalter 7">
+            <a:extLst>
+              <a:ext uri="{FF2B5EF4-FFF2-40B4-BE49-F238E27FC236}">
+                <a16:creationId xmlns:a16="http://schemas.microsoft.com/office/drawing/2014/main" id="{C0F38407-A961-4580-8B6C-9B3834F54617}"/>
+              </a:ext>
+            </a:extLst>
+          </p:cNvPr>
+          <p:cNvSpPr>
+            <a:spLocks noGrp="1"/>
+          </p:cNvSpPr>
+          <p:nvPr>
+            <p:ph idx="1"/>
+          </p:nvPr>
+        </p:nvSpPr>
+        <p:spPr/>
+        <p:txBody>
+          <a:bodyPr/>
+          <a:lstStyle/>
+          <a:p>
+            <a:endParaRPr lang="de-DE"/>
+          </a:p>
+        </p:txBody>
+      </p:sp>
+    </p:spTree>
+    <p:extLst>
+      <p:ext uri="{BB962C8B-B14F-4D97-AF65-F5344CB8AC3E}">
+        <p14:creationId xmlns:p14="http://schemas.microsoft.com/office/powerpoint/2010/main" val="4595868"/>
+      </p:ext>
+    </p:extLst>
+  </p:cSld>
+  <p:clrMapOvr>
+    <a:masterClrMapping/>
+  </p:clrMapOvr>
+</p:sld>
+</file>
+
+<file path=ppt/slides/slide14.xml><?xml version="1.0" encoding="utf-8"?>
+<p:sld xmlns:a="http://schemas.openxmlformats.org/drawingml/2006/main" xmlns:r="http://schemas.openxmlformats.org/officeDocument/2006/relationships" xmlns:p="http://schemas.openxmlformats.org/presentationml/2006/main">
+  <p:cSld>
+    <p:spTree>
+      <p:nvGrpSpPr>
+        <p:cNvPr id="1" name=""/>
+        <p:cNvGrpSpPr/>
+        <p:nvPr/>
+      </p:nvGrpSpPr>
+      <p:grpSpPr>
+        <a:xfrm>
+          <a:off x="0" y="0"/>
+          <a:ext cx="0" cy="0"/>
+          <a:chOff x="0" y="0"/>
+          <a:chExt cx="0" cy="0"/>
+        </a:xfrm>
+      </p:grpSpPr>
+      <p:sp>
+        <p:nvSpPr>
+          <p:cNvPr id="2" name="Titel 1"/>
+          <p:cNvSpPr>
+            <a:spLocks noGrp="1"/>
+          </p:cNvSpPr>
+          <p:nvPr>
+            <p:ph type="title"/>
+          </p:nvPr>
+        </p:nvSpPr>
+        <p:spPr>
+          <a:xfrm>
+            <a:off x="487446" y="990599"/>
+            <a:ext cx="11224554" cy="685800"/>
+          </a:xfrm>
+        </p:spPr>
+        <p:txBody>
+          <a:bodyPr/>
+          <a:lstStyle/>
+          <a:p>
+            <a:r>
+              <a:rPr lang="de-DE" dirty="0"/>
+              <a:t>Praktisches Beispiel</a:t>
+            </a:r>
+            <a:br>
+              <a:rPr lang="de-DE" dirty="0"/>
+            </a:br>
+            <a:r>
+              <a:rPr lang="de-DE" dirty="0"/>
+              <a:t>Probleme</a:t>
+            </a:r>
+          </a:p>
+        </p:txBody>
+      </p:sp>
+      <p:sp>
+        <p:nvSpPr>
+          <p:cNvPr id="5" name="Fußzeilenplatzhalter 4"/>
+          <p:cNvSpPr>
+            <a:spLocks noGrp="1"/>
+          </p:cNvSpPr>
+          <p:nvPr>
+            <p:ph type="ftr" sz="quarter" idx="11"/>
+          </p:nvPr>
+        </p:nvSpPr>
+        <p:spPr/>
+        <p:txBody>
+          <a:bodyPr/>
+          <a:lstStyle/>
+          <a:p>
+            <a:r>
+              <a:rPr lang="de-DE" dirty="0"/>
+              <a:t>Referent · Titel</a:t>
+            </a:r>
+          </a:p>
+        </p:txBody>
+      </p:sp>
+      <p:sp>
+        <p:nvSpPr>
+          <p:cNvPr id="6" name="Foliennummernplatzhalter 5"/>
+          <p:cNvSpPr>
+            <a:spLocks noGrp="1"/>
+          </p:cNvSpPr>
+          <p:nvPr>
+            <p:ph type="sldNum" sz="quarter" idx="12"/>
+          </p:nvPr>
+        </p:nvSpPr>
+        <p:spPr/>
+        <p:txBody>
+          <a:bodyPr/>
+          <a:lstStyle/>
+          <a:p>
+            <a:fld id="{70C9534A-BDEF-4E2F-87B7-7CFE3C6EE2A5}" type="slidenum">
+              <a:rPr lang="de-DE" smtClean="0"/>
+              <a:t>14</a:t>
+            </a:fld>
+            <a:endParaRPr lang="de-DE" dirty="0"/>
+          </a:p>
+        </p:txBody>
+      </p:sp>
+      <p:sp>
+        <p:nvSpPr>
+          <p:cNvPr id="4" name="Datumsplatzhalter 3"/>
+          <p:cNvSpPr>
+            <a:spLocks noGrp="1"/>
+          </p:cNvSpPr>
+          <p:nvPr>
+            <p:ph type="dt" sz="half" idx="10"/>
+          </p:nvPr>
+        </p:nvSpPr>
+        <p:spPr/>
+        <p:txBody>
+          <a:bodyPr/>
+          <a:lstStyle/>
+          <a:p>
+            <a:fld id="{54E6CF9F-C543-40C0-8350-A441EA94497E}" type="datetime1">
+              <a:rPr lang="de-DE" smtClean="0"/>
+              <a:t>03.02.2020</a:t>
+            </a:fld>
+            <a:endParaRPr lang="de-DE" dirty="0"/>
+          </a:p>
+        </p:txBody>
+      </p:sp>
+      <p:sp>
+        <p:nvSpPr>
+          <p:cNvPr id="8" name="Inhaltsplatzhalter 7">
+            <a:extLst>
+              <a:ext uri="{FF2B5EF4-FFF2-40B4-BE49-F238E27FC236}">
+                <a16:creationId xmlns:a16="http://schemas.microsoft.com/office/drawing/2014/main" id="{C0F38407-A961-4580-8B6C-9B3834F54617}"/>
+              </a:ext>
+            </a:extLst>
+          </p:cNvPr>
+          <p:cNvSpPr>
+            <a:spLocks noGrp="1"/>
+          </p:cNvSpPr>
+          <p:nvPr>
+            <p:ph idx="1"/>
+          </p:nvPr>
+        </p:nvSpPr>
+        <p:spPr/>
+        <p:txBody>
+          <a:bodyPr/>
+          <a:lstStyle/>
+          <a:p>
+            <a:endParaRPr lang="de-DE"/>
+          </a:p>
+        </p:txBody>
+      </p:sp>
+    </p:spTree>
+    <p:extLst>
+      <p:ext uri="{BB962C8B-B14F-4D97-AF65-F5344CB8AC3E}">
+        <p14:creationId xmlns:p14="http://schemas.microsoft.com/office/powerpoint/2010/main" val="3525483852"/>
+      </p:ext>
+    </p:extLst>
+  </p:cSld>
+  <p:clrMapOvr>
+    <a:masterClrMapping/>
+  </p:clrMapOvr>
+</p:sld>
+</file>
+
+<file path=ppt/slides/slide15.xml><?xml version="1.0" encoding="utf-8"?>
+<p:sld xmlns:a="http://schemas.openxmlformats.org/drawingml/2006/main" xmlns:r="http://schemas.openxmlformats.org/officeDocument/2006/relationships" xmlns:p="http://schemas.openxmlformats.org/presentationml/2006/main">
+  <p:cSld>
+    <p:spTree>
+      <p:nvGrpSpPr>
+        <p:cNvPr id="1" name=""/>
+        <p:cNvGrpSpPr/>
+        <p:nvPr/>
+      </p:nvGrpSpPr>
+      <p:grpSpPr>
+        <a:xfrm>
+          <a:off x="0" y="0"/>
+          <a:ext cx="0" cy="0"/>
+          <a:chOff x="0" y="0"/>
+          <a:chExt cx="0" cy="0"/>
+        </a:xfrm>
+      </p:grpSpPr>
+      <p:sp>
+        <p:nvSpPr>
+          <p:cNvPr id="2" name="Titel 1"/>
+          <p:cNvSpPr>
+            <a:spLocks noGrp="1"/>
+          </p:cNvSpPr>
+          <p:nvPr>
+            <p:ph type="title"/>
+          </p:nvPr>
+        </p:nvSpPr>
+        <p:spPr>
+          <a:xfrm>
+            <a:off x="487446" y="990599"/>
+            <a:ext cx="11224554" cy="685800"/>
+          </a:xfrm>
+        </p:spPr>
+        <p:txBody>
+          <a:bodyPr/>
+          <a:lstStyle/>
+          <a:p>
+            <a:r>
+              <a:rPr lang="de-DE" dirty="0"/>
+              <a:t>Andere Versionen</a:t>
+            </a:r>
+          </a:p>
+        </p:txBody>
+      </p:sp>
+      <p:sp>
+        <p:nvSpPr>
+          <p:cNvPr id="5" name="Fußzeilenplatzhalter 4"/>
+          <p:cNvSpPr>
+            <a:spLocks noGrp="1"/>
+          </p:cNvSpPr>
+          <p:nvPr>
+            <p:ph type="ftr" sz="quarter" idx="11"/>
+          </p:nvPr>
+        </p:nvSpPr>
+        <p:spPr/>
+        <p:txBody>
+          <a:bodyPr/>
+          <a:lstStyle/>
+          <a:p>
+            <a:r>
+              <a:rPr lang="de-DE" dirty="0"/>
+              <a:t>Referent · Titel</a:t>
+            </a:r>
+          </a:p>
+        </p:txBody>
+      </p:sp>
+      <p:sp>
+        <p:nvSpPr>
+          <p:cNvPr id="6" name="Foliennummernplatzhalter 5"/>
+          <p:cNvSpPr>
+            <a:spLocks noGrp="1"/>
+          </p:cNvSpPr>
+          <p:nvPr>
+            <p:ph type="sldNum" sz="quarter" idx="12"/>
+          </p:nvPr>
+        </p:nvSpPr>
+        <p:spPr/>
+        <p:txBody>
+          <a:bodyPr/>
+          <a:lstStyle/>
+          <a:p>
+            <a:fld id="{70C9534A-BDEF-4E2F-87B7-7CFE3C6EE2A5}" type="slidenum">
+              <a:rPr lang="de-DE" smtClean="0"/>
+              <a:t>15</a:t>
+            </a:fld>
+            <a:endParaRPr lang="de-DE" dirty="0"/>
+          </a:p>
+        </p:txBody>
+      </p:sp>
+      <p:sp>
+        <p:nvSpPr>
+          <p:cNvPr id="4" name="Datumsplatzhalter 3"/>
+          <p:cNvSpPr>
+            <a:spLocks noGrp="1"/>
+          </p:cNvSpPr>
+          <p:nvPr>
+            <p:ph type="dt" sz="half" idx="10"/>
+          </p:nvPr>
+        </p:nvSpPr>
+        <p:spPr/>
+        <p:txBody>
+          <a:bodyPr/>
+          <a:lstStyle/>
+          <a:p>
+            <a:fld id="{54E6CF9F-C543-40C0-8350-A441EA94497E}" type="datetime1">
+              <a:rPr lang="de-DE" smtClean="0"/>
+              <a:t>03.02.2020</a:t>
+            </a:fld>
+            <a:endParaRPr lang="de-DE" dirty="0"/>
+          </a:p>
+        </p:txBody>
+      </p:sp>
+      <p:sp>
+        <p:nvSpPr>
+          <p:cNvPr id="8" name="Inhaltsplatzhalter 7">
+            <a:extLst>
+              <a:ext uri="{FF2B5EF4-FFF2-40B4-BE49-F238E27FC236}">
+                <a16:creationId xmlns:a16="http://schemas.microsoft.com/office/drawing/2014/main" id="{C0F38407-A961-4580-8B6C-9B3834F54617}"/>
+              </a:ext>
+            </a:extLst>
+          </p:cNvPr>
+          <p:cNvSpPr>
+            <a:spLocks noGrp="1"/>
+          </p:cNvSpPr>
+          <p:nvPr>
+            <p:ph idx="1"/>
+          </p:nvPr>
+        </p:nvSpPr>
+        <p:spPr/>
+        <p:txBody>
+          <a:bodyPr/>
+          <a:lstStyle/>
+          <a:p>
+            <a:endParaRPr lang="de-DE"/>
+          </a:p>
+        </p:txBody>
+      </p:sp>
+    </p:spTree>
+    <p:extLst>
+      <p:ext uri="{BB962C8B-B14F-4D97-AF65-F5344CB8AC3E}">
+        <p14:creationId xmlns:p14="http://schemas.microsoft.com/office/powerpoint/2010/main" val="488682003"/>
+      </p:ext>
+    </p:extLst>
+  </p:cSld>
+  <p:clrMapOvr>
+    <a:masterClrMapping/>
+  </p:clrMapOvr>
+</p:sld>
+</file>
+
+<file path=ppt/slides/slide16.xml><?xml version="1.0" encoding="utf-8"?>
+<p:sld xmlns:a="http://schemas.openxmlformats.org/drawingml/2006/main" xmlns:r="http://schemas.openxmlformats.org/officeDocument/2006/relationships" xmlns:p="http://schemas.openxmlformats.org/presentationml/2006/main">
+  <p:cSld>
+    <p:spTree>
+      <p:nvGrpSpPr>
+        <p:cNvPr id="1" name=""/>
+        <p:cNvGrpSpPr/>
+        <p:nvPr/>
+      </p:nvGrpSpPr>
+      <p:grpSpPr>
+        <a:xfrm>
+          <a:off x="0" y="0"/>
+          <a:ext cx="0" cy="0"/>
+          <a:chOff x="0" y="0"/>
+          <a:chExt cx="0" cy="0"/>
+        </a:xfrm>
+      </p:grpSpPr>
+      <p:sp>
+        <p:nvSpPr>
+          <p:cNvPr id="2" name="Titel 1"/>
+          <p:cNvSpPr>
+            <a:spLocks noGrp="1"/>
+          </p:cNvSpPr>
+          <p:nvPr>
+            <p:ph type="title"/>
+          </p:nvPr>
+        </p:nvSpPr>
+        <p:spPr>
+          <a:xfrm>
+            <a:off x="487446" y="990599"/>
+            <a:ext cx="11224554" cy="685800"/>
+          </a:xfrm>
+        </p:spPr>
+        <p:txBody>
+          <a:bodyPr/>
+          <a:lstStyle/>
+          <a:p>
+            <a:r>
+              <a:rPr lang="de-DE" dirty="0"/>
+              <a:t>Fazit</a:t>
+            </a:r>
+          </a:p>
+        </p:txBody>
+      </p:sp>
+      <p:sp>
+        <p:nvSpPr>
+          <p:cNvPr id="5" name="Fußzeilenplatzhalter 4"/>
+          <p:cNvSpPr>
+            <a:spLocks noGrp="1"/>
+          </p:cNvSpPr>
+          <p:nvPr>
+            <p:ph type="ftr" sz="quarter" idx="11"/>
+          </p:nvPr>
+        </p:nvSpPr>
+        <p:spPr/>
+        <p:txBody>
+          <a:bodyPr/>
+          <a:lstStyle/>
+          <a:p>
+            <a:r>
+              <a:rPr lang="de-DE" dirty="0"/>
+              <a:t>Referent · Titel</a:t>
+            </a:r>
+          </a:p>
+        </p:txBody>
+      </p:sp>
+      <p:sp>
+        <p:nvSpPr>
+          <p:cNvPr id="6" name="Foliennummernplatzhalter 5"/>
+          <p:cNvSpPr>
+            <a:spLocks noGrp="1"/>
+          </p:cNvSpPr>
+          <p:nvPr>
+            <p:ph type="sldNum" sz="quarter" idx="12"/>
+          </p:nvPr>
+        </p:nvSpPr>
+        <p:spPr/>
+        <p:txBody>
+          <a:bodyPr/>
+          <a:lstStyle/>
+          <a:p>
+            <a:fld id="{70C9534A-BDEF-4E2F-87B7-7CFE3C6EE2A5}" type="slidenum">
+              <a:rPr lang="de-DE" smtClean="0"/>
+              <a:t>16</a:t>
+            </a:fld>
+            <a:endParaRPr lang="de-DE" dirty="0"/>
+          </a:p>
+        </p:txBody>
+      </p:sp>
+      <p:sp>
+        <p:nvSpPr>
+          <p:cNvPr id="4" name="Datumsplatzhalter 3"/>
+          <p:cNvSpPr>
+            <a:spLocks noGrp="1"/>
+          </p:cNvSpPr>
+          <p:nvPr>
+            <p:ph type="dt" sz="half" idx="10"/>
+          </p:nvPr>
+        </p:nvSpPr>
+        <p:spPr/>
+        <p:txBody>
+          <a:bodyPr/>
+          <a:lstStyle/>
+          <a:p>
+            <a:fld id="{54E6CF9F-C543-40C0-8350-A441EA94497E}" type="datetime1">
+              <a:rPr lang="de-DE" smtClean="0"/>
+              <a:t>03.02.2020</a:t>
+            </a:fld>
+            <a:endParaRPr lang="de-DE" dirty="0"/>
+          </a:p>
+        </p:txBody>
+      </p:sp>
+      <p:sp>
+        <p:nvSpPr>
+          <p:cNvPr id="8" name="Inhaltsplatzhalter 7">
+            <a:extLst>
+              <a:ext uri="{FF2B5EF4-FFF2-40B4-BE49-F238E27FC236}">
+                <a16:creationId xmlns:a16="http://schemas.microsoft.com/office/drawing/2014/main" id="{C0F38407-A961-4580-8B6C-9B3834F54617}"/>
+              </a:ext>
+            </a:extLst>
+          </p:cNvPr>
+          <p:cNvSpPr>
+            <a:spLocks noGrp="1"/>
+          </p:cNvSpPr>
+          <p:nvPr>
+            <p:ph idx="1"/>
+          </p:nvPr>
+        </p:nvSpPr>
+        <p:spPr/>
+        <p:txBody>
+          <a:bodyPr/>
+          <a:lstStyle/>
+          <a:p>
+            <a:endParaRPr lang="de-DE"/>
+          </a:p>
+        </p:txBody>
+      </p:sp>
+    </p:spTree>
+    <p:extLst>
+      <p:ext uri="{BB962C8B-B14F-4D97-AF65-F5344CB8AC3E}">
+        <p14:creationId xmlns:p14="http://schemas.microsoft.com/office/powerpoint/2010/main" val="3517426710"/>
+      </p:ext>
+    </p:extLst>
+  </p:cSld>
+  <p:clrMapOvr>
+    <a:masterClrMapping/>
+  </p:clrMapOvr>
+</p:sld>
+</file>
+
+<file path=ppt/slides/slide17.xml><?xml version="1.0" encoding="utf-8"?>
+<p:sld xmlns:a="http://schemas.openxmlformats.org/drawingml/2006/main" xmlns:r="http://schemas.openxmlformats.org/officeDocument/2006/relationships" xmlns:p="http://schemas.openxmlformats.org/presentationml/2006/main">
+  <p:cSld>
+    <p:spTree>
+      <p:nvGrpSpPr>
+        <p:cNvPr id="1" name=""/>
+        <p:cNvGrpSpPr/>
+        <p:nvPr/>
+      </p:nvGrpSpPr>
+      <p:grpSpPr>
+        <a:xfrm>
+          <a:off x="0" y="0"/>
+          <a:ext cx="0" cy="0"/>
+          <a:chOff x="0" y="0"/>
+          <a:chExt cx="0" cy="0"/>
+        </a:xfrm>
+      </p:grpSpPr>
+      <p:sp>
+        <p:nvSpPr>
+          <p:cNvPr id="2" name="Titel 1"/>
+          <p:cNvSpPr>
+            <a:spLocks noGrp="1"/>
+          </p:cNvSpPr>
+          <p:nvPr>
+            <p:ph type="title"/>
+          </p:nvPr>
+        </p:nvSpPr>
+        <p:spPr>
+          <a:xfrm>
+            <a:off x="487446" y="990599"/>
+            <a:ext cx="11224554" cy="685800"/>
+          </a:xfrm>
+        </p:spPr>
+        <p:txBody>
+          <a:bodyPr>
+            <a:normAutofit/>
+          </a:bodyPr>
+          <a:lstStyle/>
+          <a:p>
+            <a:r>
+              <a:rPr lang="de-DE" dirty="0"/>
+              <a:t>Titel</a:t>
+            </a:r>
+          </a:p>
+        </p:txBody>
+      </p:sp>
+      <p:sp>
+        <p:nvSpPr>
+          <p:cNvPr id="5" name="Fußzeilenplatzhalter 4"/>
+          <p:cNvSpPr>
+            <a:spLocks noGrp="1"/>
+          </p:cNvSpPr>
+          <p:nvPr>
+            <p:ph type="ftr" sz="quarter" idx="11"/>
+          </p:nvPr>
+        </p:nvSpPr>
+        <p:spPr/>
+        <p:txBody>
+          <a:bodyPr/>
+          <a:lstStyle/>
+          <a:p>
+            <a:r>
+              <a:rPr lang="de-DE" dirty="0"/>
+              <a:t>Referent · Titel</a:t>
+            </a:r>
+          </a:p>
+        </p:txBody>
+      </p:sp>
+      <p:sp>
+        <p:nvSpPr>
+          <p:cNvPr id="6" name="Foliennummernplatzhalter 5"/>
+          <p:cNvSpPr>
+            <a:spLocks noGrp="1"/>
+          </p:cNvSpPr>
+          <p:nvPr>
+            <p:ph type="sldNum" sz="quarter" idx="12"/>
+          </p:nvPr>
+        </p:nvSpPr>
+        <p:spPr/>
+        <p:txBody>
+          <a:bodyPr/>
+          <a:lstStyle/>
+          <a:p>
+            <a:fld id="{70C9534A-BDEF-4E2F-87B7-7CFE3C6EE2A5}" type="slidenum">
+              <a:rPr lang="de-DE" smtClean="0"/>
+              <a:t>17</a:t>
+            </a:fld>
+            <a:endParaRPr lang="de-DE" dirty="0"/>
+          </a:p>
+        </p:txBody>
+      </p:sp>
+      <p:sp>
+        <p:nvSpPr>
+          <p:cNvPr id="4" name="Datumsplatzhalter 3"/>
+          <p:cNvSpPr>
+            <a:spLocks noGrp="1"/>
+          </p:cNvSpPr>
+          <p:nvPr>
+            <p:ph type="dt" sz="half" idx="10"/>
+          </p:nvPr>
+        </p:nvSpPr>
+        <p:spPr/>
+        <p:txBody>
+          <a:bodyPr/>
+          <a:lstStyle/>
+          <a:p>
+            <a:fld id="{54E6CF9F-C543-40C0-8350-A441EA94497E}" type="datetime1">
+              <a:rPr lang="de-DE" smtClean="0"/>
+              <a:t>03.02.2020</a:t>
+            </a:fld>
+            <a:endParaRPr lang="de-DE" dirty="0"/>
+          </a:p>
+        </p:txBody>
+      </p:sp>
+      <p:sp>
+        <p:nvSpPr>
+          <p:cNvPr id="8" name="Inhaltsplatzhalter 7">
+            <a:extLst>
+              <a:ext uri="{FF2B5EF4-FFF2-40B4-BE49-F238E27FC236}">
+                <a16:creationId xmlns:a16="http://schemas.microsoft.com/office/drawing/2014/main" id="{C0F38407-A961-4580-8B6C-9B3834F54617}"/>
+              </a:ext>
+            </a:extLst>
+          </p:cNvPr>
+          <p:cNvSpPr>
+            <a:spLocks noGrp="1"/>
+          </p:cNvSpPr>
+          <p:nvPr>
+            <p:ph idx="1"/>
+          </p:nvPr>
+        </p:nvSpPr>
+        <p:spPr/>
+        <p:txBody>
+          <a:bodyPr/>
+          <a:lstStyle/>
+          <a:p>
+            <a:endParaRPr lang="de-DE"/>
+          </a:p>
+        </p:txBody>
+      </p:sp>
+    </p:spTree>
+    <p:extLst>
+      <p:ext uri="{BB962C8B-B14F-4D97-AF65-F5344CB8AC3E}">
+        <p14:creationId xmlns:p14="http://schemas.microsoft.com/office/powerpoint/2010/main" val="1777565583"/>
+      </p:ext>
+    </p:extLst>
+  </p:cSld>
+  <p:clrMapOvr>
+    <a:masterClrMapping/>
+  </p:clrMapOvr>
+</p:sld>
+</file>
+
+<file path=ppt/slides/slide18.xml><?xml version="1.0" encoding="utf-8"?>
+<p:sld xmlns:a="http://schemas.openxmlformats.org/drawingml/2006/main" xmlns:r="http://schemas.openxmlformats.org/officeDocument/2006/relationships" xmlns:p="http://schemas.openxmlformats.org/presentationml/2006/main">
+  <p:cSld>
+    <p:spTree>
+      <p:nvGrpSpPr>
+        <p:cNvPr id="1" name=""/>
+        <p:cNvGrpSpPr/>
+        <p:nvPr/>
+      </p:nvGrpSpPr>
+      <p:grpSpPr>
+        <a:xfrm>
+          <a:off x="0" y="0"/>
+          <a:ext cx="0" cy="0"/>
+          <a:chOff x="0" y="0"/>
+          <a:chExt cx="0" cy="0"/>
+        </a:xfrm>
+      </p:grpSpPr>
+      <p:sp>
+        <p:nvSpPr>
+          <p:cNvPr id="2" name="Titel 1"/>
+          <p:cNvSpPr>
+            <a:spLocks noGrp="1"/>
+          </p:cNvSpPr>
+          <p:nvPr>
+            <p:ph type="title"/>
+          </p:nvPr>
+        </p:nvSpPr>
+        <p:spPr/>
+        <p:txBody>
+          <a:bodyPr/>
+          <a:lstStyle/>
+          <a:p>
+            <a:endParaRPr lang="de-DE" dirty="0"/>
+          </a:p>
+        </p:txBody>
+      </p:sp>
+      <p:sp>
+        <p:nvSpPr>
+          <p:cNvPr id="5" name="Fußzeilenplatzhalter 4"/>
+          <p:cNvSpPr>
+            <a:spLocks noGrp="1"/>
+          </p:cNvSpPr>
+          <p:nvPr>
+            <p:ph type="ftr" sz="quarter" idx="11"/>
+          </p:nvPr>
+        </p:nvSpPr>
+        <p:spPr/>
+        <p:txBody>
+          <a:bodyPr/>
+          <a:lstStyle/>
+          <a:p>
+            <a:r>
+              <a:rPr lang="de-DE"/>
+              <a:t>Referent · Titel</a:t>
+            </a:r>
+          </a:p>
+        </p:txBody>
+      </p:sp>
+      <p:sp>
+        <p:nvSpPr>
+          <p:cNvPr id="6" name="Foliennummernplatzhalter 5"/>
+          <p:cNvSpPr>
+            <a:spLocks noGrp="1"/>
+          </p:cNvSpPr>
+          <p:nvPr>
+            <p:ph type="sldNum" sz="quarter" idx="12"/>
+          </p:nvPr>
+        </p:nvSpPr>
+        <p:spPr/>
+        <p:txBody>
+          <a:bodyPr/>
+          <a:lstStyle/>
+          <a:p>
+            <a:fld id="{70C9534A-BDEF-4E2F-87B7-7CFE3C6EE2A5}" type="slidenum">
+              <a:rPr lang="de-DE" smtClean="0"/>
+              <a:t>18</a:t>
+            </a:fld>
+            <a:endParaRPr lang="de-DE"/>
+          </a:p>
+        </p:txBody>
+      </p:sp>
+      <p:sp>
+        <p:nvSpPr>
+          <p:cNvPr id="3" name="Datumsplatzhalter 2"/>
+          <p:cNvSpPr>
+            <a:spLocks noGrp="1"/>
+          </p:cNvSpPr>
+          <p:nvPr>
+            <p:ph type="dt" sz="half" idx="10"/>
+          </p:nvPr>
+        </p:nvSpPr>
+        <p:spPr/>
+        <p:txBody>
+          <a:bodyPr/>
+          <a:lstStyle/>
+          <a:p>
+            <a:fld id="{CE507B9A-DB35-47E0-B869-CB5617CA21B1}" type="datetime1">
+              <a:rPr lang="de-DE" smtClean="0"/>
+              <a:t>03.02.2020</a:t>
+            </a:fld>
+            <a:endParaRPr lang="de-DE" dirty="0"/>
+          </a:p>
+        </p:txBody>
+      </p:sp>
+    </p:spTree>
+    <p:extLst>
+      <p:ext uri="{BB962C8B-B14F-4D97-AF65-F5344CB8AC3E}">
+        <p14:creationId xmlns:p14="http://schemas.microsoft.com/office/powerpoint/2010/main" val="1701169667"/>
       </p:ext>
     </p:extLst>
   </p:cSld>
@@ -4536,12 +5921,20 @@
             <p:ph type="title"/>
           </p:nvPr>
         </p:nvSpPr>
-        <p:spPr/>
-        <p:txBody>
-          <a:bodyPr/>
-          <a:lstStyle/>
-          <a:p>
-            <a:endParaRPr lang="de-DE" dirty="0"/>
+        <p:spPr>
+          <a:xfrm>
+            <a:off x="487446" y="990599"/>
+            <a:ext cx="11224554" cy="685800"/>
+          </a:xfrm>
+        </p:spPr>
+        <p:txBody>
+          <a:bodyPr/>
+          <a:lstStyle/>
+          <a:p>
+            <a:r>
+              <a:rPr lang="de-DE" dirty="0"/>
+              <a:t>Agenda</a:t>
+            </a:r>
           </a:p>
         </p:txBody>
       </p:sp>
@@ -4561,7 +5954,7 @@
           <a:lstStyle/>
           <a:p>
             <a:r>
-              <a:rPr lang="de-DE"/>
+              <a:rPr lang="de-DE" dirty="0"/>
               <a:t>Referent · Titel</a:t>
             </a:r>
           </a:p>
@@ -4586,13 +5979,13 @@
               <a:rPr lang="de-DE" smtClean="0"/>
               <a:t>2</a:t>
             </a:fld>
-            <a:endParaRPr lang="de-DE"/>
-          </a:p>
-        </p:txBody>
-      </p:sp>
-      <p:sp>
-        <p:nvSpPr>
-          <p:cNvPr id="3" name="Datumsplatzhalter 2"/>
+            <a:endParaRPr lang="de-DE" dirty="0"/>
+          </a:p>
+        </p:txBody>
+      </p:sp>
+      <p:sp>
+        <p:nvSpPr>
+          <p:cNvPr id="4" name="Datumsplatzhalter 3"/>
           <p:cNvSpPr>
             <a:spLocks noGrp="1"/>
           </p:cNvSpPr>
@@ -4605,18 +5998,97 @@
           <a:bodyPr/>
           <a:lstStyle/>
           <a:p>
-            <a:fld id="{CE507B9A-DB35-47E0-B869-CB5617CA21B1}" type="datetime1">
+            <a:fld id="{54E6CF9F-C543-40C0-8350-A441EA94497E}" type="datetime1">
               <a:rPr lang="de-DE" smtClean="0"/>
-              <a:t>31.01.2020</a:t>
+              <a:t>03.02.2020</a:t>
             </a:fld>
             <a:endParaRPr lang="de-DE" dirty="0"/>
+          </a:p>
+        </p:txBody>
+      </p:sp>
+      <p:sp>
+        <p:nvSpPr>
+          <p:cNvPr id="8" name="Inhaltsplatzhalter 7">
+            <a:extLst>
+              <a:ext uri="{FF2B5EF4-FFF2-40B4-BE49-F238E27FC236}">
+                <a16:creationId xmlns:a16="http://schemas.microsoft.com/office/drawing/2014/main" id="{C0F38407-A961-4580-8B6C-9B3834F54617}"/>
+              </a:ext>
+            </a:extLst>
+          </p:cNvPr>
+          <p:cNvSpPr>
+            <a:spLocks noGrp="1"/>
+          </p:cNvSpPr>
+          <p:nvPr>
+            <p:ph idx="1"/>
+          </p:nvPr>
+        </p:nvSpPr>
+        <p:spPr/>
+        <p:txBody>
+          <a:bodyPr/>
+          <a:lstStyle/>
+          <a:p>
+            <a:r>
+              <a:rPr lang="de-DE" dirty="0"/>
+              <a:t>Neuronale Netze</a:t>
+            </a:r>
+          </a:p>
+          <a:p>
+            <a:r>
+              <a:rPr lang="de-DE" dirty="0"/>
+              <a:t>Einführung </a:t>
+            </a:r>
+            <a:r>
+              <a:rPr lang="de-DE" dirty="0" err="1"/>
+              <a:t>TensorFlow</a:t>
+            </a:r>
+            <a:endParaRPr lang="de-DE" dirty="0"/>
+          </a:p>
+          <a:p>
+            <a:r>
+              <a:rPr lang="de-DE" dirty="0"/>
+              <a:t>Tensoren</a:t>
+            </a:r>
+          </a:p>
+          <a:p>
+            <a:r>
+              <a:rPr lang="de-DE" dirty="0"/>
+              <a:t>Graphen</a:t>
+            </a:r>
+          </a:p>
+          <a:p>
+            <a:r>
+              <a:rPr lang="de-DE" dirty="0"/>
+              <a:t>Trainieren eines Neuronalen Netzes</a:t>
+            </a:r>
+          </a:p>
+          <a:p>
+            <a:r>
+              <a:rPr lang="de-DE" dirty="0" err="1"/>
+              <a:t>TensorFlow</a:t>
+            </a:r>
+            <a:r>
+              <a:rPr lang="de-DE" dirty="0"/>
+              <a:t> an einem Beispiel</a:t>
+            </a:r>
+          </a:p>
+          <a:p>
+            <a:r>
+              <a:rPr lang="de-DE" dirty="0"/>
+              <a:t>Andere Versionen</a:t>
+            </a:r>
+          </a:p>
+          <a:p>
+            <a:r>
+              <a:rPr lang="de-DE" dirty="0"/>
+              <a:t>Fazit</a:t>
+            </a:r>
           </a:p>
         </p:txBody>
       </p:sp>
     </p:spTree>
     <p:extLst>
       <p:ext uri="{BB962C8B-B14F-4D97-AF65-F5344CB8AC3E}">
-        <p14:creationId xmlns:p14="http://schemas.microsoft.com/office/powerpoint/2010/main" val="1701169667"/>
+        <p14:creationId xmlns:p14="http://schemas.microsoft.com/office/powerpoint/2010/main" val="1293234408"/>
       </p:ext>
     </p:extLst>
   </p:cSld>
@@ -4663,7 +6135,10 @@
           <a:bodyPr/>
           <a:lstStyle/>
           <a:p>
-            <a:endParaRPr lang="de-DE" dirty="0"/>
+            <a:r>
+              <a:rPr lang="de-DE" dirty="0"/>
+              <a:t>Neuronale Netze</a:t>
+            </a:r>
           </a:p>
         </p:txBody>
       </p:sp>
@@ -4729,7 +6204,7 @@
           <a:p>
             <a:fld id="{54E6CF9F-C543-40C0-8350-A441EA94497E}" type="datetime1">
               <a:rPr lang="de-DE" smtClean="0"/>
-              <a:t>31.01.2020</a:t>
+              <a:t>03.02.2020</a:t>
             </a:fld>
             <a:endParaRPr lang="de-DE" dirty="0"/>
           </a:p>
@@ -4763,7 +6238,916 @@
     </p:spTree>
     <p:extLst>
       <p:ext uri="{BB962C8B-B14F-4D97-AF65-F5344CB8AC3E}">
-        <p14:creationId xmlns:p14="http://schemas.microsoft.com/office/powerpoint/2010/main" val="1293234408"/>
+        <p14:creationId xmlns:p14="http://schemas.microsoft.com/office/powerpoint/2010/main" val="3103784516"/>
+      </p:ext>
+    </p:extLst>
+  </p:cSld>
+  <p:clrMapOvr>
+    <a:masterClrMapping/>
+  </p:clrMapOvr>
+</p:sld>
+</file>
+
+<file path=ppt/slides/slide4.xml><?xml version="1.0" encoding="utf-8"?>
+<p:sld xmlns:a="http://schemas.openxmlformats.org/drawingml/2006/main" xmlns:r="http://schemas.openxmlformats.org/officeDocument/2006/relationships" xmlns:p="http://schemas.openxmlformats.org/presentationml/2006/main">
+  <p:cSld>
+    <p:spTree>
+      <p:nvGrpSpPr>
+        <p:cNvPr id="1" name=""/>
+        <p:cNvGrpSpPr/>
+        <p:nvPr/>
+      </p:nvGrpSpPr>
+      <p:grpSpPr>
+        <a:xfrm>
+          <a:off x="0" y="0"/>
+          <a:ext cx="0" cy="0"/>
+          <a:chOff x="0" y="0"/>
+          <a:chExt cx="0" cy="0"/>
+        </a:xfrm>
+      </p:grpSpPr>
+      <p:sp>
+        <p:nvSpPr>
+          <p:cNvPr id="2" name="Titel 1"/>
+          <p:cNvSpPr>
+            <a:spLocks noGrp="1"/>
+          </p:cNvSpPr>
+          <p:nvPr>
+            <p:ph type="title"/>
+          </p:nvPr>
+        </p:nvSpPr>
+        <p:spPr>
+          <a:xfrm>
+            <a:off x="487446" y="990599"/>
+            <a:ext cx="11224554" cy="685800"/>
+          </a:xfrm>
+        </p:spPr>
+        <p:txBody>
+          <a:bodyPr/>
+          <a:lstStyle/>
+          <a:p>
+            <a:r>
+              <a:rPr lang="de-DE" dirty="0"/>
+              <a:t>Einführung </a:t>
+            </a:r>
+            <a:r>
+              <a:rPr lang="de-DE" dirty="0" err="1"/>
+              <a:t>TensorFlow</a:t>
+            </a:r>
+            <a:endParaRPr lang="de-DE" dirty="0"/>
+          </a:p>
+        </p:txBody>
+      </p:sp>
+      <p:sp>
+        <p:nvSpPr>
+          <p:cNvPr id="5" name="Fußzeilenplatzhalter 4"/>
+          <p:cNvSpPr>
+            <a:spLocks noGrp="1"/>
+          </p:cNvSpPr>
+          <p:nvPr>
+            <p:ph type="ftr" sz="quarter" idx="11"/>
+          </p:nvPr>
+        </p:nvSpPr>
+        <p:spPr/>
+        <p:txBody>
+          <a:bodyPr/>
+          <a:lstStyle/>
+          <a:p>
+            <a:r>
+              <a:rPr lang="de-DE" dirty="0"/>
+              <a:t>Referent · Titel</a:t>
+            </a:r>
+          </a:p>
+        </p:txBody>
+      </p:sp>
+      <p:sp>
+        <p:nvSpPr>
+          <p:cNvPr id="6" name="Foliennummernplatzhalter 5"/>
+          <p:cNvSpPr>
+            <a:spLocks noGrp="1"/>
+          </p:cNvSpPr>
+          <p:nvPr>
+            <p:ph type="sldNum" sz="quarter" idx="12"/>
+          </p:nvPr>
+        </p:nvSpPr>
+        <p:spPr/>
+        <p:txBody>
+          <a:bodyPr/>
+          <a:lstStyle/>
+          <a:p>
+            <a:fld id="{70C9534A-BDEF-4E2F-87B7-7CFE3C6EE2A5}" type="slidenum">
+              <a:rPr lang="de-DE" smtClean="0"/>
+              <a:t>4</a:t>
+            </a:fld>
+            <a:endParaRPr lang="de-DE" dirty="0"/>
+          </a:p>
+        </p:txBody>
+      </p:sp>
+      <p:sp>
+        <p:nvSpPr>
+          <p:cNvPr id="4" name="Datumsplatzhalter 3"/>
+          <p:cNvSpPr>
+            <a:spLocks noGrp="1"/>
+          </p:cNvSpPr>
+          <p:nvPr>
+            <p:ph type="dt" sz="half" idx="10"/>
+          </p:nvPr>
+        </p:nvSpPr>
+        <p:spPr/>
+        <p:txBody>
+          <a:bodyPr/>
+          <a:lstStyle/>
+          <a:p>
+            <a:fld id="{54E6CF9F-C543-40C0-8350-A441EA94497E}" type="datetime1">
+              <a:rPr lang="de-DE" smtClean="0"/>
+              <a:t>03.02.2020</a:t>
+            </a:fld>
+            <a:endParaRPr lang="de-DE" dirty="0"/>
+          </a:p>
+        </p:txBody>
+      </p:sp>
+      <p:sp>
+        <p:nvSpPr>
+          <p:cNvPr id="8" name="Inhaltsplatzhalter 7">
+            <a:extLst>
+              <a:ext uri="{FF2B5EF4-FFF2-40B4-BE49-F238E27FC236}">
+                <a16:creationId xmlns:a16="http://schemas.microsoft.com/office/drawing/2014/main" id="{C0F38407-A961-4580-8B6C-9B3834F54617}"/>
+              </a:ext>
+            </a:extLst>
+          </p:cNvPr>
+          <p:cNvSpPr>
+            <a:spLocks noGrp="1"/>
+          </p:cNvSpPr>
+          <p:nvPr>
+            <p:ph idx="1"/>
+          </p:nvPr>
+        </p:nvSpPr>
+        <p:spPr/>
+        <p:txBody>
+          <a:bodyPr/>
+          <a:lstStyle/>
+          <a:p>
+            <a:endParaRPr lang="de-DE"/>
+          </a:p>
+        </p:txBody>
+      </p:sp>
+    </p:spTree>
+    <p:extLst>
+      <p:ext uri="{BB962C8B-B14F-4D97-AF65-F5344CB8AC3E}">
+        <p14:creationId xmlns:p14="http://schemas.microsoft.com/office/powerpoint/2010/main" val="1788919572"/>
+      </p:ext>
+    </p:extLst>
+  </p:cSld>
+  <p:clrMapOvr>
+    <a:masterClrMapping/>
+  </p:clrMapOvr>
+</p:sld>
+</file>
+
+<file path=ppt/slides/slide5.xml><?xml version="1.0" encoding="utf-8"?>
+<p:sld xmlns:a="http://schemas.openxmlformats.org/drawingml/2006/main" xmlns:r="http://schemas.openxmlformats.org/officeDocument/2006/relationships" xmlns:p="http://schemas.openxmlformats.org/presentationml/2006/main">
+  <p:cSld>
+    <p:spTree>
+      <p:nvGrpSpPr>
+        <p:cNvPr id="1" name=""/>
+        <p:cNvGrpSpPr/>
+        <p:nvPr/>
+      </p:nvGrpSpPr>
+      <p:grpSpPr>
+        <a:xfrm>
+          <a:off x="0" y="0"/>
+          <a:ext cx="0" cy="0"/>
+          <a:chOff x="0" y="0"/>
+          <a:chExt cx="0" cy="0"/>
+        </a:xfrm>
+      </p:grpSpPr>
+      <p:sp>
+        <p:nvSpPr>
+          <p:cNvPr id="2" name="Titel 1"/>
+          <p:cNvSpPr>
+            <a:spLocks noGrp="1"/>
+          </p:cNvSpPr>
+          <p:nvPr>
+            <p:ph type="title"/>
+          </p:nvPr>
+        </p:nvSpPr>
+        <p:spPr>
+          <a:xfrm>
+            <a:off x="487446" y="990599"/>
+            <a:ext cx="11224554" cy="685800"/>
+          </a:xfrm>
+        </p:spPr>
+        <p:txBody>
+          <a:bodyPr/>
+          <a:lstStyle/>
+          <a:p>
+            <a:r>
+              <a:rPr lang="de-DE" dirty="0"/>
+              <a:t>Mathematische Tensoren</a:t>
+            </a:r>
+          </a:p>
+        </p:txBody>
+      </p:sp>
+      <p:sp>
+        <p:nvSpPr>
+          <p:cNvPr id="5" name="Fußzeilenplatzhalter 4"/>
+          <p:cNvSpPr>
+            <a:spLocks noGrp="1"/>
+          </p:cNvSpPr>
+          <p:nvPr>
+            <p:ph type="ftr" sz="quarter" idx="11"/>
+          </p:nvPr>
+        </p:nvSpPr>
+        <p:spPr/>
+        <p:txBody>
+          <a:bodyPr/>
+          <a:lstStyle/>
+          <a:p>
+            <a:r>
+              <a:rPr lang="de-DE" dirty="0"/>
+              <a:t>Referent · Titel</a:t>
+            </a:r>
+          </a:p>
+        </p:txBody>
+      </p:sp>
+      <p:sp>
+        <p:nvSpPr>
+          <p:cNvPr id="6" name="Foliennummernplatzhalter 5"/>
+          <p:cNvSpPr>
+            <a:spLocks noGrp="1"/>
+          </p:cNvSpPr>
+          <p:nvPr>
+            <p:ph type="sldNum" sz="quarter" idx="12"/>
+          </p:nvPr>
+        </p:nvSpPr>
+        <p:spPr/>
+        <p:txBody>
+          <a:bodyPr/>
+          <a:lstStyle/>
+          <a:p>
+            <a:fld id="{70C9534A-BDEF-4E2F-87B7-7CFE3C6EE2A5}" type="slidenum">
+              <a:rPr lang="de-DE" smtClean="0"/>
+              <a:t>5</a:t>
+            </a:fld>
+            <a:endParaRPr lang="de-DE" dirty="0"/>
+          </a:p>
+        </p:txBody>
+      </p:sp>
+      <p:sp>
+        <p:nvSpPr>
+          <p:cNvPr id="4" name="Datumsplatzhalter 3"/>
+          <p:cNvSpPr>
+            <a:spLocks noGrp="1"/>
+          </p:cNvSpPr>
+          <p:nvPr>
+            <p:ph type="dt" sz="half" idx="10"/>
+          </p:nvPr>
+        </p:nvSpPr>
+        <p:spPr/>
+        <p:txBody>
+          <a:bodyPr/>
+          <a:lstStyle/>
+          <a:p>
+            <a:fld id="{54E6CF9F-C543-40C0-8350-A441EA94497E}" type="datetime1">
+              <a:rPr lang="de-DE" smtClean="0"/>
+              <a:t>03.02.2020</a:t>
+            </a:fld>
+            <a:endParaRPr lang="de-DE" dirty="0"/>
+          </a:p>
+        </p:txBody>
+      </p:sp>
+      <p:sp>
+        <p:nvSpPr>
+          <p:cNvPr id="8" name="Inhaltsplatzhalter 7">
+            <a:extLst>
+              <a:ext uri="{FF2B5EF4-FFF2-40B4-BE49-F238E27FC236}">
+                <a16:creationId xmlns:a16="http://schemas.microsoft.com/office/drawing/2014/main" id="{C0F38407-A961-4580-8B6C-9B3834F54617}"/>
+              </a:ext>
+            </a:extLst>
+          </p:cNvPr>
+          <p:cNvSpPr>
+            <a:spLocks noGrp="1"/>
+          </p:cNvSpPr>
+          <p:nvPr>
+            <p:ph idx="1"/>
+          </p:nvPr>
+        </p:nvSpPr>
+        <p:spPr/>
+        <p:txBody>
+          <a:bodyPr/>
+          <a:lstStyle/>
+          <a:p>
+            <a:endParaRPr lang="de-DE"/>
+          </a:p>
+        </p:txBody>
+      </p:sp>
+    </p:spTree>
+    <p:extLst>
+      <p:ext uri="{BB962C8B-B14F-4D97-AF65-F5344CB8AC3E}">
+        <p14:creationId xmlns:p14="http://schemas.microsoft.com/office/powerpoint/2010/main" val="2059350942"/>
+      </p:ext>
+    </p:extLst>
+  </p:cSld>
+  <p:clrMapOvr>
+    <a:masterClrMapping/>
+  </p:clrMapOvr>
+</p:sld>
+</file>
+
+<file path=ppt/slides/slide6.xml><?xml version="1.0" encoding="utf-8"?>
+<p:sld xmlns:a="http://schemas.openxmlformats.org/drawingml/2006/main" xmlns:r="http://schemas.openxmlformats.org/officeDocument/2006/relationships" xmlns:p="http://schemas.openxmlformats.org/presentationml/2006/main">
+  <p:cSld>
+    <p:spTree>
+      <p:nvGrpSpPr>
+        <p:cNvPr id="1" name=""/>
+        <p:cNvGrpSpPr/>
+        <p:nvPr/>
+      </p:nvGrpSpPr>
+      <p:grpSpPr>
+        <a:xfrm>
+          <a:off x="0" y="0"/>
+          <a:ext cx="0" cy="0"/>
+          <a:chOff x="0" y="0"/>
+          <a:chExt cx="0" cy="0"/>
+        </a:xfrm>
+      </p:grpSpPr>
+      <p:sp>
+        <p:nvSpPr>
+          <p:cNvPr id="2" name="Titel 1"/>
+          <p:cNvSpPr>
+            <a:spLocks noGrp="1"/>
+          </p:cNvSpPr>
+          <p:nvPr>
+            <p:ph type="title"/>
+          </p:nvPr>
+        </p:nvSpPr>
+        <p:spPr>
+          <a:xfrm>
+            <a:off x="487446" y="990599"/>
+            <a:ext cx="11224554" cy="685800"/>
+          </a:xfrm>
+        </p:spPr>
+        <p:txBody>
+          <a:bodyPr/>
+          <a:lstStyle/>
+          <a:p>
+            <a:r>
+              <a:rPr lang="de-DE" dirty="0" err="1"/>
+              <a:t>TensorFlow</a:t>
+            </a:r>
+            <a:r>
+              <a:rPr lang="de-DE" dirty="0"/>
+              <a:t> Tensoren</a:t>
+            </a:r>
+          </a:p>
+        </p:txBody>
+      </p:sp>
+      <p:sp>
+        <p:nvSpPr>
+          <p:cNvPr id="5" name="Fußzeilenplatzhalter 4"/>
+          <p:cNvSpPr>
+            <a:spLocks noGrp="1"/>
+          </p:cNvSpPr>
+          <p:nvPr>
+            <p:ph type="ftr" sz="quarter" idx="11"/>
+          </p:nvPr>
+        </p:nvSpPr>
+        <p:spPr/>
+        <p:txBody>
+          <a:bodyPr/>
+          <a:lstStyle/>
+          <a:p>
+            <a:r>
+              <a:rPr lang="de-DE" dirty="0"/>
+              <a:t>Referent · Titel</a:t>
+            </a:r>
+          </a:p>
+        </p:txBody>
+      </p:sp>
+      <p:sp>
+        <p:nvSpPr>
+          <p:cNvPr id="6" name="Foliennummernplatzhalter 5"/>
+          <p:cNvSpPr>
+            <a:spLocks noGrp="1"/>
+          </p:cNvSpPr>
+          <p:nvPr>
+            <p:ph type="sldNum" sz="quarter" idx="12"/>
+          </p:nvPr>
+        </p:nvSpPr>
+        <p:spPr/>
+        <p:txBody>
+          <a:bodyPr/>
+          <a:lstStyle/>
+          <a:p>
+            <a:fld id="{70C9534A-BDEF-4E2F-87B7-7CFE3C6EE2A5}" type="slidenum">
+              <a:rPr lang="de-DE" smtClean="0"/>
+              <a:t>6</a:t>
+            </a:fld>
+            <a:endParaRPr lang="de-DE" dirty="0"/>
+          </a:p>
+        </p:txBody>
+      </p:sp>
+      <p:sp>
+        <p:nvSpPr>
+          <p:cNvPr id="4" name="Datumsplatzhalter 3"/>
+          <p:cNvSpPr>
+            <a:spLocks noGrp="1"/>
+          </p:cNvSpPr>
+          <p:nvPr>
+            <p:ph type="dt" sz="half" idx="10"/>
+          </p:nvPr>
+        </p:nvSpPr>
+        <p:spPr/>
+        <p:txBody>
+          <a:bodyPr/>
+          <a:lstStyle/>
+          <a:p>
+            <a:fld id="{54E6CF9F-C543-40C0-8350-A441EA94497E}" type="datetime1">
+              <a:rPr lang="de-DE" smtClean="0"/>
+              <a:t>03.02.2020</a:t>
+            </a:fld>
+            <a:endParaRPr lang="de-DE" dirty="0"/>
+          </a:p>
+        </p:txBody>
+      </p:sp>
+      <p:sp>
+        <p:nvSpPr>
+          <p:cNvPr id="8" name="Inhaltsplatzhalter 7">
+            <a:extLst>
+              <a:ext uri="{FF2B5EF4-FFF2-40B4-BE49-F238E27FC236}">
+                <a16:creationId xmlns:a16="http://schemas.microsoft.com/office/drawing/2014/main" id="{C0F38407-A961-4580-8B6C-9B3834F54617}"/>
+              </a:ext>
+            </a:extLst>
+          </p:cNvPr>
+          <p:cNvSpPr>
+            <a:spLocks noGrp="1"/>
+          </p:cNvSpPr>
+          <p:nvPr>
+            <p:ph idx="1"/>
+          </p:nvPr>
+        </p:nvSpPr>
+        <p:spPr/>
+        <p:txBody>
+          <a:bodyPr/>
+          <a:lstStyle/>
+          <a:p>
+            <a:endParaRPr lang="de-DE"/>
+          </a:p>
+        </p:txBody>
+      </p:sp>
+    </p:spTree>
+    <p:extLst>
+      <p:ext uri="{BB962C8B-B14F-4D97-AF65-F5344CB8AC3E}">
+        <p14:creationId xmlns:p14="http://schemas.microsoft.com/office/powerpoint/2010/main" val="3063306552"/>
+      </p:ext>
+    </p:extLst>
+  </p:cSld>
+  <p:clrMapOvr>
+    <a:masterClrMapping/>
+  </p:clrMapOvr>
+</p:sld>
+</file>
+
+<file path=ppt/slides/slide7.xml><?xml version="1.0" encoding="utf-8"?>
+<p:sld xmlns:a="http://schemas.openxmlformats.org/drawingml/2006/main" xmlns:r="http://schemas.openxmlformats.org/officeDocument/2006/relationships" xmlns:p="http://schemas.openxmlformats.org/presentationml/2006/main">
+  <p:cSld>
+    <p:spTree>
+      <p:nvGrpSpPr>
+        <p:cNvPr id="1" name=""/>
+        <p:cNvGrpSpPr/>
+        <p:nvPr/>
+      </p:nvGrpSpPr>
+      <p:grpSpPr>
+        <a:xfrm>
+          <a:off x="0" y="0"/>
+          <a:ext cx="0" cy="0"/>
+          <a:chOff x="0" y="0"/>
+          <a:chExt cx="0" cy="0"/>
+        </a:xfrm>
+      </p:grpSpPr>
+      <p:sp>
+        <p:nvSpPr>
+          <p:cNvPr id="2" name="Titel 1"/>
+          <p:cNvSpPr>
+            <a:spLocks noGrp="1"/>
+          </p:cNvSpPr>
+          <p:nvPr>
+            <p:ph type="title"/>
+          </p:nvPr>
+        </p:nvSpPr>
+        <p:spPr>
+          <a:xfrm>
+            <a:off x="487446" y="990599"/>
+            <a:ext cx="11224554" cy="685800"/>
+          </a:xfrm>
+        </p:spPr>
+        <p:txBody>
+          <a:bodyPr/>
+          <a:lstStyle/>
+          <a:p>
+            <a:r>
+              <a:rPr lang="de-DE" dirty="0"/>
+              <a:t>Graphen</a:t>
+            </a:r>
+          </a:p>
+        </p:txBody>
+      </p:sp>
+      <p:sp>
+        <p:nvSpPr>
+          <p:cNvPr id="5" name="Fußzeilenplatzhalter 4"/>
+          <p:cNvSpPr>
+            <a:spLocks noGrp="1"/>
+          </p:cNvSpPr>
+          <p:nvPr>
+            <p:ph type="ftr" sz="quarter" idx="11"/>
+          </p:nvPr>
+        </p:nvSpPr>
+        <p:spPr/>
+        <p:txBody>
+          <a:bodyPr/>
+          <a:lstStyle/>
+          <a:p>
+            <a:r>
+              <a:rPr lang="de-DE" dirty="0"/>
+              <a:t>Referent · Titel</a:t>
+            </a:r>
+          </a:p>
+        </p:txBody>
+      </p:sp>
+      <p:sp>
+        <p:nvSpPr>
+          <p:cNvPr id="6" name="Foliennummernplatzhalter 5"/>
+          <p:cNvSpPr>
+            <a:spLocks noGrp="1"/>
+          </p:cNvSpPr>
+          <p:nvPr>
+            <p:ph type="sldNum" sz="quarter" idx="12"/>
+          </p:nvPr>
+        </p:nvSpPr>
+        <p:spPr/>
+        <p:txBody>
+          <a:bodyPr/>
+          <a:lstStyle/>
+          <a:p>
+            <a:fld id="{70C9534A-BDEF-4E2F-87B7-7CFE3C6EE2A5}" type="slidenum">
+              <a:rPr lang="de-DE" smtClean="0"/>
+              <a:t>7</a:t>
+            </a:fld>
+            <a:endParaRPr lang="de-DE" dirty="0"/>
+          </a:p>
+        </p:txBody>
+      </p:sp>
+      <p:sp>
+        <p:nvSpPr>
+          <p:cNvPr id="4" name="Datumsplatzhalter 3"/>
+          <p:cNvSpPr>
+            <a:spLocks noGrp="1"/>
+          </p:cNvSpPr>
+          <p:nvPr>
+            <p:ph type="dt" sz="half" idx="10"/>
+          </p:nvPr>
+        </p:nvSpPr>
+        <p:spPr/>
+        <p:txBody>
+          <a:bodyPr/>
+          <a:lstStyle/>
+          <a:p>
+            <a:fld id="{54E6CF9F-C543-40C0-8350-A441EA94497E}" type="datetime1">
+              <a:rPr lang="de-DE" smtClean="0"/>
+              <a:t>03.02.2020</a:t>
+            </a:fld>
+            <a:endParaRPr lang="de-DE" dirty="0"/>
+          </a:p>
+        </p:txBody>
+      </p:sp>
+      <p:sp>
+        <p:nvSpPr>
+          <p:cNvPr id="8" name="Inhaltsplatzhalter 7">
+            <a:extLst>
+              <a:ext uri="{FF2B5EF4-FFF2-40B4-BE49-F238E27FC236}">
+                <a16:creationId xmlns:a16="http://schemas.microsoft.com/office/drawing/2014/main" id="{C0F38407-A961-4580-8B6C-9B3834F54617}"/>
+              </a:ext>
+            </a:extLst>
+          </p:cNvPr>
+          <p:cNvSpPr>
+            <a:spLocks noGrp="1"/>
+          </p:cNvSpPr>
+          <p:nvPr>
+            <p:ph idx="1"/>
+          </p:nvPr>
+        </p:nvSpPr>
+        <p:spPr/>
+        <p:txBody>
+          <a:bodyPr/>
+          <a:lstStyle/>
+          <a:p>
+            <a:endParaRPr lang="de-DE"/>
+          </a:p>
+        </p:txBody>
+      </p:sp>
+    </p:spTree>
+    <p:extLst>
+      <p:ext uri="{BB962C8B-B14F-4D97-AF65-F5344CB8AC3E}">
+        <p14:creationId xmlns:p14="http://schemas.microsoft.com/office/powerpoint/2010/main" val="3813619219"/>
+      </p:ext>
+    </p:extLst>
+  </p:cSld>
+  <p:clrMapOvr>
+    <a:masterClrMapping/>
+  </p:clrMapOvr>
+</p:sld>
+</file>
+
+<file path=ppt/slides/slide8.xml><?xml version="1.0" encoding="utf-8"?>
+<p:sld xmlns:a="http://schemas.openxmlformats.org/drawingml/2006/main" xmlns:r="http://schemas.openxmlformats.org/officeDocument/2006/relationships" xmlns:p="http://schemas.openxmlformats.org/presentationml/2006/main">
+  <p:cSld>
+    <p:spTree>
+      <p:nvGrpSpPr>
+        <p:cNvPr id="1" name=""/>
+        <p:cNvGrpSpPr/>
+        <p:nvPr/>
+      </p:nvGrpSpPr>
+      <p:grpSpPr>
+        <a:xfrm>
+          <a:off x="0" y="0"/>
+          <a:ext cx="0" cy="0"/>
+          <a:chOff x="0" y="0"/>
+          <a:chExt cx="0" cy="0"/>
+        </a:xfrm>
+      </p:grpSpPr>
+      <p:sp>
+        <p:nvSpPr>
+          <p:cNvPr id="2" name="Titel 1"/>
+          <p:cNvSpPr>
+            <a:spLocks noGrp="1"/>
+          </p:cNvSpPr>
+          <p:nvPr>
+            <p:ph type="title"/>
+          </p:nvPr>
+        </p:nvSpPr>
+        <p:spPr>
+          <a:xfrm>
+            <a:off x="487446" y="990599"/>
+            <a:ext cx="11224554" cy="685800"/>
+          </a:xfrm>
+        </p:spPr>
+        <p:txBody>
+          <a:bodyPr/>
+          <a:lstStyle/>
+          <a:p>
+            <a:r>
+              <a:rPr lang="de-DE" dirty="0"/>
+              <a:t>Unterschiede zu anderen Frameworks</a:t>
+            </a:r>
+          </a:p>
+        </p:txBody>
+      </p:sp>
+      <p:sp>
+        <p:nvSpPr>
+          <p:cNvPr id="5" name="Fußzeilenplatzhalter 4"/>
+          <p:cNvSpPr>
+            <a:spLocks noGrp="1"/>
+          </p:cNvSpPr>
+          <p:nvPr>
+            <p:ph type="ftr" sz="quarter" idx="11"/>
+          </p:nvPr>
+        </p:nvSpPr>
+        <p:spPr/>
+        <p:txBody>
+          <a:bodyPr/>
+          <a:lstStyle/>
+          <a:p>
+            <a:r>
+              <a:rPr lang="de-DE" dirty="0"/>
+              <a:t>Referent · Titel</a:t>
+            </a:r>
+          </a:p>
+        </p:txBody>
+      </p:sp>
+      <p:sp>
+        <p:nvSpPr>
+          <p:cNvPr id="6" name="Foliennummernplatzhalter 5"/>
+          <p:cNvSpPr>
+            <a:spLocks noGrp="1"/>
+          </p:cNvSpPr>
+          <p:nvPr>
+            <p:ph type="sldNum" sz="quarter" idx="12"/>
+          </p:nvPr>
+        </p:nvSpPr>
+        <p:spPr/>
+        <p:txBody>
+          <a:bodyPr/>
+          <a:lstStyle/>
+          <a:p>
+            <a:fld id="{70C9534A-BDEF-4E2F-87B7-7CFE3C6EE2A5}" type="slidenum">
+              <a:rPr lang="de-DE" smtClean="0"/>
+              <a:t>8</a:t>
+            </a:fld>
+            <a:endParaRPr lang="de-DE" dirty="0"/>
+          </a:p>
+        </p:txBody>
+      </p:sp>
+      <p:sp>
+        <p:nvSpPr>
+          <p:cNvPr id="4" name="Datumsplatzhalter 3"/>
+          <p:cNvSpPr>
+            <a:spLocks noGrp="1"/>
+          </p:cNvSpPr>
+          <p:nvPr>
+            <p:ph type="dt" sz="half" idx="10"/>
+          </p:nvPr>
+        </p:nvSpPr>
+        <p:spPr/>
+        <p:txBody>
+          <a:bodyPr/>
+          <a:lstStyle/>
+          <a:p>
+            <a:fld id="{54E6CF9F-C543-40C0-8350-A441EA94497E}" type="datetime1">
+              <a:rPr lang="de-DE" smtClean="0"/>
+              <a:t>03.02.2020</a:t>
+            </a:fld>
+            <a:endParaRPr lang="de-DE" dirty="0"/>
+          </a:p>
+        </p:txBody>
+      </p:sp>
+      <p:sp>
+        <p:nvSpPr>
+          <p:cNvPr id="8" name="Inhaltsplatzhalter 7">
+            <a:extLst>
+              <a:ext uri="{FF2B5EF4-FFF2-40B4-BE49-F238E27FC236}">
+                <a16:creationId xmlns:a16="http://schemas.microsoft.com/office/drawing/2014/main" id="{C0F38407-A961-4580-8B6C-9B3834F54617}"/>
+              </a:ext>
+            </a:extLst>
+          </p:cNvPr>
+          <p:cNvSpPr>
+            <a:spLocks noGrp="1"/>
+          </p:cNvSpPr>
+          <p:nvPr>
+            <p:ph idx="1"/>
+          </p:nvPr>
+        </p:nvSpPr>
+        <p:spPr/>
+        <p:txBody>
+          <a:bodyPr/>
+          <a:lstStyle/>
+          <a:p>
+            <a:endParaRPr lang="de-DE"/>
+          </a:p>
+        </p:txBody>
+      </p:sp>
+    </p:spTree>
+    <p:extLst>
+      <p:ext uri="{BB962C8B-B14F-4D97-AF65-F5344CB8AC3E}">
+        <p14:creationId xmlns:p14="http://schemas.microsoft.com/office/powerpoint/2010/main" val="2800532284"/>
+      </p:ext>
+    </p:extLst>
+  </p:cSld>
+  <p:clrMapOvr>
+    <a:masterClrMapping/>
+  </p:clrMapOvr>
+</p:sld>
+</file>
+
+<file path=ppt/slides/slide9.xml><?xml version="1.0" encoding="utf-8"?>
+<p:sld xmlns:a="http://schemas.openxmlformats.org/drawingml/2006/main" xmlns:r="http://schemas.openxmlformats.org/officeDocument/2006/relationships" xmlns:p="http://schemas.openxmlformats.org/presentationml/2006/main">
+  <p:cSld>
+    <p:spTree>
+      <p:nvGrpSpPr>
+        <p:cNvPr id="1" name=""/>
+        <p:cNvGrpSpPr/>
+        <p:nvPr/>
+      </p:nvGrpSpPr>
+      <p:grpSpPr>
+        <a:xfrm>
+          <a:off x="0" y="0"/>
+          <a:ext cx="0" cy="0"/>
+          <a:chOff x="0" y="0"/>
+          <a:chExt cx="0" cy="0"/>
+        </a:xfrm>
+      </p:grpSpPr>
+      <p:sp>
+        <p:nvSpPr>
+          <p:cNvPr id="2" name="Titel 1"/>
+          <p:cNvSpPr>
+            <a:spLocks noGrp="1"/>
+          </p:cNvSpPr>
+          <p:nvPr>
+            <p:ph type="title"/>
+          </p:nvPr>
+        </p:nvSpPr>
+        <p:spPr>
+          <a:xfrm>
+            <a:off x="487446" y="990599"/>
+            <a:ext cx="11224554" cy="685800"/>
+          </a:xfrm>
+        </p:spPr>
+        <p:txBody>
+          <a:bodyPr/>
+          <a:lstStyle/>
+          <a:p>
+            <a:r>
+              <a:rPr lang="de-DE" dirty="0"/>
+              <a:t>Trainieren eines Neuronalen Netzes</a:t>
+            </a:r>
+          </a:p>
+        </p:txBody>
+      </p:sp>
+      <p:sp>
+        <p:nvSpPr>
+          <p:cNvPr id="5" name="Fußzeilenplatzhalter 4"/>
+          <p:cNvSpPr>
+            <a:spLocks noGrp="1"/>
+          </p:cNvSpPr>
+          <p:nvPr>
+            <p:ph type="ftr" sz="quarter" idx="11"/>
+          </p:nvPr>
+        </p:nvSpPr>
+        <p:spPr/>
+        <p:txBody>
+          <a:bodyPr/>
+          <a:lstStyle/>
+          <a:p>
+            <a:r>
+              <a:rPr lang="de-DE" dirty="0"/>
+              <a:t>Referent · Titel</a:t>
+            </a:r>
+          </a:p>
+        </p:txBody>
+      </p:sp>
+      <p:sp>
+        <p:nvSpPr>
+          <p:cNvPr id="6" name="Foliennummernplatzhalter 5"/>
+          <p:cNvSpPr>
+            <a:spLocks noGrp="1"/>
+          </p:cNvSpPr>
+          <p:nvPr>
+            <p:ph type="sldNum" sz="quarter" idx="12"/>
+          </p:nvPr>
+        </p:nvSpPr>
+        <p:spPr/>
+        <p:txBody>
+          <a:bodyPr/>
+          <a:lstStyle/>
+          <a:p>
+            <a:fld id="{70C9534A-BDEF-4E2F-87B7-7CFE3C6EE2A5}" type="slidenum">
+              <a:rPr lang="de-DE" smtClean="0"/>
+              <a:t>9</a:t>
+            </a:fld>
+            <a:endParaRPr lang="de-DE" dirty="0"/>
+          </a:p>
+        </p:txBody>
+      </p:sp>
+      <p:sp>
+        <p:nvSpPr>
+          <p:cNvPr id="4" name="Datumsplatzhalter 3"/>
+          <p:cNvSpPr>
+            <a:spLocks noGrp="1"/>
+          </p:cNvSpPr>
+          <p:nvPr>
+            <p:ph type="dt" sz="half" idx="10"/>
+          </p:nvPr>
+        </p:nvSpPr>
+        <p:spPr/>
+        <p:txBody>
+          <a:bodyPr/>
+          <a:lstStyle/>
+          <a:p>
+            <a:fld id="{54E6CF9F-C543-40C0-8350-A441EA94497E}" type="datetime1">
+              <a:rPr lang="de-DE" smtClean="0"/>
+              <a:t>03.02.2020</a:t>
+            </a:fld>
+            <a:endParaRPr lang="de-DE" dirty="0"/>
+          </a:p>
+        </p:txBody>
+      </p:sp>
+      <p:sp>
+        <p:nvSpPr>
+          <p:cNvPr id="8" name="Inhaltsplatzhalter 7">
+            <a:extLst>
+              <a:ext uri="{FF2B5EF4-FFF2-40B4-BE49-F238E27FC236}">
+                <a16:creationId xmlns:a16="http://schemas.microsoft.com/office/drawing/2014/main" id="{C0F38407-A961-4580-8B6C-9B3834F54617}"/>
+              </a:ext>
+            </a:extLst>
+          </p:cNvPr>
+          <p:cNvSpPr>
+            <a:spLocks noGrp="1"/>
+          </p:cNvSpPr>
+          <p:nvPr>
+            <p:ph idx="1"/>
+          </p:nvPr>
+        </p:nvSpPr>
+        <p:spPr/>
+        <p:txBody>
+          <a:bodyPr/>
+          <a:lstStyle/>
+          <a:p>
+            <a:endParaRPr lang="de-DE"/>
+          </a:p>
+        </p:txBody>
+      </p:sp>
+    </p:spTree>
+    <p:extLst>
+      <p:ext uri="{BB962C8B-B14F-4D97-AF65-F5344CB8AC3E}">
+        <p14:creationId xmlns:p14="http://schemas.microsoft.com/office/powerpoint/2010/main" val="3669109349"/>
       </p:ext>
     </p:extLst>
   </p:cSld>

--- a/SeminarPräsentation.pptx
+++ b/SeminarPräsentation.pptx
@@ -5,10 +5,10 @@
     <p:sldMasterId id="2147483696" r:id="rId1"/>
   </p:sldMasterIdLst>
   <p:notesMasterIdLst>
-    <p:notesMasterId r:id="rId20"/>
+    <p:notesMasterId r:id="rId19"/>
   </p:notesMasterIdLst>
   <p:handoutMasterIdLst>
-    <p:handoutMasterId r:id="rId21"/>
+    <p:handoutMasterId r:id="rId20"/>
   </p:handoutMasterIdLst>
   <p:sldIdLst>
     <p:sldId id="269" r:id="rId2"/>
@@ -28,7 +28,6 @@
     <p:sldId id="358" r:id="rId16"/>
     <p:sldId id="359" r:id="rId17"/>
     <p:sldId id="364" r:id="rId18"/>
-    <p:sldId id="349" r:id="rId19"/>
   </p:sldIdLst>
   <p:sldSz cx="12192000" cy="6858000"/>
   <p:notesSz cx="6797675" cy="9926638"/>
@@ -4608,8 +4607,24 @@
           <a:p>
             <a:r>
               <a:rPr lang="de-DE" dirty="0"/>
-              <a:t>Referent · Titel</a:t>
-            </a:r>
+              <a:t>Marco Philipp 70459905, Niklas Röske 70456600· Python </a:t>
+            </a:r>
+            <a:r>
+              <a:rPr lang="de-DE" dirty="0" err="1"/>
+              <a:t>Machine</a:t>
+            </a:r>
+            <a:r>
+              <a:rPr lang="de-DE" dirty="0"/>
+              <a:t> Learning: </a:t>
+            </a:r>
+            <a:r>
+              <a:rPr lang="de-DE" dirty="0" err="1"/>
+              <a:t>TensorFlow</a:t>
+            </a:r>
+            <a:endParaRPr lang="de-DE" dirty="0"/>
+          </a:p>
+          <a:p>
+            <a:endParaRPr lang="de-DE" dirty="0"/>
           </a:p>
         </p:txBody>
       </p:sp>
@@ -4764,9 +4779,10 @@
           <a:lstStyle/>
           <a:p>
             <a:r>
-              <a:rPr lang="de-DE" dirty="0"/>
-              <a:t>Referent · Titel</a:t>
-            </a:r>
+              <a:rPr lang="de-DE"/>
+              <a:t>Marco Philipp 70459905, Niklas Röske 70456600· Python Machine Learning: TensorFlow</a:t>
+            </a:r>
+            <a:endParaRPr lang="de-DE" dirty="0"/>
           </a:p>
         </p:txBody>
       </p:sp>
@@ -4921,9 +4937,10 @@
           <a:lstStyle/>
           <a:p>
             <a:r>
-              <a:rPr lang="de-DE" dirty="0"/>
-              <a:t>Referent · Titel</a:t>
-            </a:r>
+              <a:rPr lang="de-DE"/>
+              <a:t>Marco Philipp 70459905, Niklas Röske 70456600· Python Machine Learning: TensorFlow</a:t>
+            </a:r>
+            <a:endParaRPr lang="de-DE" dirty="0"/>
           </a:p>
         </p:txBody>
       </p:sp>
@@ -5078,9 +5095,10 @@
           <a:lstStyle/>
           <a:p>
             <a:r>
-              <a:rPr lang="de-DE" dirty="0"/>
-              <a:t>Referent · Titel</a:t>
-            </a:r>
+              <a:rPr lang="de-DE"/>
+              <a:t>Marco Philipp 70459905, Niklas Röske 70456600· Python Machine Learning: TensorFlow</a:t>
+            </a:r>
+            <a:endParaRPr lang="de-DE" dirty="0"/>
           </a:p>
         </p:txBody>
       </p:sp>
@@ -5235,9 +5253,10 @@
           <a:lstStyle/>
           <a:p>
             <a:r>
-              <a:rPr lang="de-DE" dirty="0"/>
-              <a:t>Referent · Titel</a:t>
-            </a:r>
+              <a:rPr lang="de-DE"/>
+              <a:t>Marco Philipp 70459905, Niklas Röske 70456600· Python Machine Learning: TensorFlow</a:t>
+            </a:r>
+            <a:endParaRPr lang="de-DE" dirty="0"/>
           </a:p>
         </p:txBody>
       </p:sp>
@@ -5308,7 +5327,19 @@
           <a:bodyPr/>
           <a:lstStyle/>
           <a:p>
-            <a:endParaRPr lang="de-DE"/>
+            <a:r>
+              <a:rPr lang="de-DE" dirty="0"/>
+              <a:t>Installation</a:t>
+            </a:r>
+          </a:p>
+          <a:p>
+            <a:r>
+              <a:rPr lang="de-DE" dirty="0"/>
+              <a:t>Einarbeitung</a:t>
+            </a:r>
+          </a:p>
+          <a:p>
+            <a:endParaRPr lang="de-DE" dirty="0"/>
           </a:p>
         </p:txBody>
       </p:sp>
@@ -5385,9 +5416,10 @@
           <a:lstStyle/>
           <a:p>
             <a:r>
-              <a:rPr lang="de-DE" dirty="0"/>
-              <a:t>Referent · Titel</a:t>
-            </a:r>
+              <a:rPr lang="de-DE"/>
+              <a:t>Marco Philipp 70459905, Niklas Röske 70456600· Python Machine Learning: TensorFlow</a:t>
+            </a:r>
+            <a:endParaRPr lang="de-DE" dirty="0"/>
           </a:p>
         </p:txBody>
       </p:sp>
@@ -5535,9 +5567,10 @@
           <a:lstStyle/>
           <a:p>
             <a:r>
-              <a:rPr lang="de-DE" dirty="0"/>
-              <a:t>Referent · Titel</a:t>
-            </a:r>
+              <a:rPr lang="de-DE"/>
+              <a:t>Marco Philipp 70459905, Niklas Röske 70456600· Python Machine Learning: TensorFlow</a:t>
+            </a:r>
+            <a:endParaRPr lang="de-DE" dirty="0"/>
           </a:p>
         </p:txBody>
       </p:sp>
@@ -5687,9 +5720,10 @@
           <a:lstStyle/>
           <a:p>
             <a:r>
-              <a:rPr lang="de-DE" dirty="0"/>
-              <a:t>Referent · Titel</a:t>
-            </a:r>
+              <a:rPr lang="de-DE"/>
+              <a:t>Marco Philipp 70459905, Niklas Röske 70456600· Python Machine Learning: TensorFlow</a:t>
+            </a:r>
+            <a:endParaRPr lang="de-DE" dirty="0"/>
           </a:p>
         </p:txBody>
       </p:sp>
@@ -5768,123 +5802,6 @@
     <p:extLst>
       <p:ext uri="{BB962C8B-B14F-4D97-AF65-F5344CB8AC3E}">
         <p14:creationId xmlns:p14="http://schemas.microsoft.com/office/powerpoint/2010/main" val="1777565583"/>
-      </p:ext>
-    </p:extLst>
-  </p:cSld>
-  <p:clrMapOvr>
-    <a:masterClrMapping/>
-  </p:clrMapOvr>
-</p:sld>
-</file>
-
-<file path=ppt/slides/slide18.xml><?xml version="1.0" encoding="utf-8"?>
-<p:sld xmlns:a="http://schemas.openxmlformats.org/drawingml/2006/main" xmlns:r="http://schemas.openxmlformats.org/officeDocument/2006/relationships" xmlns:p="http://schemas.openxmlformats.org/presentationml/2006/main">
-  <p:cSld>
-    <p:spTree>
-      <p:nvGrpSpPr>
-        <p:cNvPr id="1" name=""/>
-        <p:cNvGrpSpPr/>
-        <p:nvPr/>
-      </p:nvGrpSpPr>
-      <p:grpSpPr>
-        <a:xfrm>
-          <a:off x="0" y="0"/>
-          <a:ext cx="0" cy="0"/>
-          <a:chOff x="0" y="0"/>
-          <a:chExt cx="0" cy="0"/>
-        </a:xfrm>
-      </p:grpSpPr>
-      <p:sp>
-        <p:nvSpPr>
-          <p:cNvPr id="2" name="Titel 1"/>
-          <p:cNvSpPr>
-            <a:spLocks noGrp="1"/>
-          </p:cNvSpPr>
-          <p:nvPr>
-            <p:ph type="title"/>
-          </p:nvPr>
-        </p:nvSpPr>
-        <p:spPr/>
-        <p:txBody>
-          <a:bodyPr/>
-          <a:lstStyle/>
-          <a:p>
-            <a:endParaRPr lang="de-DE" dirty="0"/>
-          </a:p>
-        </p:txBody>
-      </p:sp>
-      <p:sp>
-        <p:nvSpPr>
-          <p:cNvPr id="5" name="Fußzeilenplatzhalter 4"/>
-          <p:cNvSpPr>
-            <a:spLocks noGrp="1"/>
-          </p:cNvSpPr>
-          <p:nvPr>
-            <p:ph type="ftr" sz="quarter" idx="11"/>
-          </p:nvPr>
-        </p:nvSpPr>
-        <p:spPr/>
-        <p:txBody>
-          <a:bodyPr/>
-          <a:lstStyle/>
-          <a:p>
-            <a:r>
-              <a:rPr lang="de-DE"/>
-              <a:t>Referent · Titel</a:t>
-            </a:r>
-          </a:p>
-        </p:txBody>
-      </p:sp>
-      <p:sp>
-        <p:nvSpPr>
-          <p:cNvPr id="6" name="Foliennummernplatzhalter 5"/>
-          <p:cNvSpPr>
-            <a:spLocks noGrp="1"/>
-          </p:cNvSpPr>
-          <p:nvPr>
-            <p:ph type="sldNum" sz="quarter" idx="12"/>
-          </p:nvPr>
-        </p:nvSpPr>
-        <p:spPr/>
-        <p:txBody>
-          <a:bodyPr/>
-          <a:lstStyle/>
-          <a:p>
-            <a:fld id="{70C9534A-BDEF-4E2F-87B7-7CFE3C6EE2A5}" type="slidenum">
-              <a:rPr lang="de-DE" smtClean="0"/>
-              <a:t>18</a:t>
-            </a:fld>
-            <a:endParaRPr lang="de-DE"/>
-          </a:p>
-        </p:txBody>
-      </p:sp>
-      <p:sp>
-        <p:nvSpPr>
-          <p:cNvPr id="3" name="Datumsplatzhalter 2"/>
-          <p:cNvSpPr>
-            <a:spLocks noGrp="1"/>
-          </p:cNvSpPr>
-          <p:nvPr>
-            <p:ph type="dt" sz="half" idx="10"/>
-          </p:nvPr>
-        </p:nvSpPr>
-        <p:spPr/>
-        <p:txBody>
-          <a:bodyPr/>
-          <a:lstStyle/>
-          <a:p>
-            <a:fld id="{CE507B9A-DB35-47E0-B869-CB5617CA21B1}" type="datetime1">
-              <a:rPr lang="de-DE" smtClean="0"/>
-              <a:t>03.02.2020</a:t>
-            </a:fld>
-            <a:endParaRPr lang="de-DE" dirty="0"/>
-          </a:p>
-        </p:txBody>
-      </p:sp>
-    </p:spTree>
-    <p:extLst>
-      <p:ext uri="{BB962C8B-B14F-4D97-AF65-F5344CB8AC3E}">
-        <p14:creationId xmlns:p14="http://schemas.microsoft.com/office/powerpoint/2010/main" val="1701169667"/>
       </p:ext>
     </p:extLst>
   </p:cSld>
@@ -5948,15 +5865,33 @@
             <p:ph type="ftr" sz="quarter" idx="11"/>
           </p:nvPr>
         </p:nvSpPr>
-        <p:spPr/>
-        <p:txBody>
-          <a:bodyPr/>
-          <a:lstStyle/>
-          <a:p>
-            <a:r>
-              <a:rPr lang="de-DE" dirty="0"/>
-              <a:t>Referent · Titel</a:t>
-            </a:r>
+        <p:spPr>
+          <a:xfrm>
+            <a:off x="1756610" y="6481011"/>
+            <a:ext cx="8823157" cy="184317"/>
+          </a:xfrm>
+        </p:spPr>
+        <p:txBody>
+          <a:bodyPr/>
+          <a:lstStyle/>
+          <a:p>
+            <a:r>
+              <a:rPr lang="de-DE" dirty="0"/>
+              <a:t>Marco Philipp 70459905, Niklas Röske 70456600· Python </a:t>
+            </a:r>
+            <a:r>
+              <a:rPr lang="de-DE" dirty="0" err="1"/>
+              <a:t>Machine</a:t>
+            </a:r>
+            <a:r>
+              <a:rPr lang="de-DE" dirty="0"/>
+              <a:t> Learning: </a:t>
+            </a:r>
+            <a:r>
+              <a:rPr lang="de-DE" dirty="0" err="1"/>
+              <a:t>TensorFlow</a:t>
+            </a:r>
+            <a:endParaRPr lang="de-DE" dirty="0"/>
           </a:p>
         </p:txBody>
       </p:sp>
@@ -6158,9 +6093,10 @@
           <a:lstStyle/>
           <a:p>
             <a:r>
-              <a:rPr lang="de-DE" dirty="0"/>
-              <a:t>Referent · Titel</a:t>
-            </a:r>
+              <a:rPr lang="de-DE"/>
+              <a:t>Marco Philipp 70459905, Niklas Röske 70456600· Python Machine Learning: TensorFlow</a:t>
+            </a:r>
+            <a:endParaRPr lang="de-DE" dirty="0"/>
           </a:p>
         </p:txBody>
       </p:sp>
@@ -6313,9 +6249,10 @@
           <a:lstStyle/>
           <a:p>
             <a:r>
-              <a:rPr lang="de-DE" dirty="0"/>
-              <a:t>Referent · Titel</a:t>
-            </a:r>
+              <a:rPr lang="de-DE"/>
+              <a:t>Marco Philipp 70459905, Niklas Röske 70456600· Python Machine Learning: TensorFlow</a:t>
+            </a:r>
+            <a:endParaRPr lang="de-DE" dirty="0"/>
           </a:p>
         </p:txBody>
       </p:sp>
@@ -6463,9 +6400,10 @@
           <a:lstStyle/>
           <a:p>
             <a:r>
-              <a:rPr lang="de-DE" dirty="0"/>
-              <a:t>Referent · Titel</a:t>
-            </a:r>
+              <a:rPr lang="de-DE"/>
+              <a:t>Marco Philipp 70459905, Niklas Röske 70456600· Python Machine Learning: TensorFlow</a:t>
+            </a:r>
+            <a:endParaRPr lang="de-DE" dirty="0"/>
           </a:p>
         </p:txBody>
       </p:sp>
@@ -6617,9 +6555,10 @@
           <a:lstStyle/>
           <a:p>
             <a:r>
-              <a:rPr lang="de-DE" dirty="0"/>
-              <a:t>Referent · Titel</a:t>
-            </a:r>
+              <a:rPr lang="de-DE"/>
+              <a:t>Marco Philipp 70459905, Niklas Röske 70456600· Python Machine Learning: TensorFlow</a:t>
+            </a:r>
+            <a:endParaRPr lang="de-DE" dirty="0"/>
           </a:p>
         </p:txBody>
       </p:sp>
@@ -6690,7 +6629,16 @@
           <a:bodyPr/>
           <a:lstStyle/>
           <a:p>
-            <a:endParaRPr lang="de-DE"/>
+            <a:r>
+              <a:rPr lang="de-DE" dirty="0"/>
+              <a:t>Daten</a:t>
+            </a:r>
+          </a:p>
+          <a:p>
+            <a:r>
+              <a:rPr lang="de-DE" dirty="0"/>
+              <a:t>Bestehen aus mathematischen Tensoren</a:t>
+            </a:r>
           </a:p>
         </p:txBody>
       </p:sp>
@@ -6767,9 +6715,10 @@
           <a:lstStyle/>
           <a:p>
             <a:r>
-              <a:rPr lang="de-DE" dirty="0"/>
-              <a:t>Referent · Titel</a:t>
-            </a:r>
+              <a:rPr lang="de-DE"/>
+              <a:t>Marco Philipp 70459905, Niklas Röske 70456600· Python Machine Learning: TensorFlow</a:t>
+            </a:r>
+            <a:endParaRPr lang="de-DE" dirty="0"/>
           </a:p>
         </p:txBody>
       </p:sp>
@@ -6917,9 +6866,10 @@
           <a:lstStyle/>
           <a:p>
             <a:r>
-              <a:rPr lang="de-DE" dirty="0"/>
-              <a:t>Referent · Titel</a:t>
-            </a:r>
+              <a:rPr lang="de-DE"/>
+              <a:t>Marco Philipp 70459905, Niklas Röske 70456600· Python Machine Learning: TensorFlow</a:t>
+            </a:r>
+            <a:endParaRPr lang="de-DE" dirty="0"/>
           </a:p>
         </p:txBody>
       </p:sp>
@@ -6990,7 +6940,16 @@
           <a:bodyPr/>
           <a:lstStyle/>
           <a:p>
-            <a:endParaRPr lang="de-DE"/>
+            <a:r>
+              <a:rPr lang="de-DE" dirty="0"/>
+              <a:t>Aufteilung des Graphen möglich</a:t>
+            </a:r>
+          </a:p>
+          <a:p>
+            <a:r>
+              <a:rPr lang="de-DE" dirty="0"/>
+              <a:t>Abhängigkeiten klären</a:t>
+            </a:r>
           </a:p>
         </p:txBody>
       </p:sp>
@@ -7068,7 +7027,26 @@
           <a:p>
             <a:r>
               <a:rPr lang="de-DE" dirty="0"/>
-              <a:t>Referent · Titel</a:t>
+              <a:t>Marco Philipp 70459905, Niklas Röske 70456600· Python </a:t>
+            </a:r>
+            <a:r>
+              <a:rPr lang="de-DE" dirty="0" err="1"/>
+              <a:t>Machine</a:t>
+            </a:r>
+            <a:r>
+              <a:rPr lang="de-DE" dirty="0"/>
+              <a:t> Learning: </a:t>
+            </a:r>
+            <a:r>
+              <a:rPr lang="de-DE" dirty="0" err="1"/>
+              <a:t>TensorFlow</a:t>
+            </a:r>
+            <a:endParaRPr lang="de-DE" dirty="0"/>
+          </a:p>
+          <a:p>
+            <a:r>
+              <a:rPr lang="de-DE" dirty="0"/>
+              <a:t>l</a:t>
             </a:r>
           </a:p>
         </p:txBody>

--- a/SeminarPräsentation.pptx
+++ b/SeminarPräsentation.pptx
@@ -5,10 +5,10 @@
     <p:sldMasterId id="2147483696" r:id="rId1"/>
   </p:sldMasterIdLst>
   <p:notesMasterIdLst>
-    <p:notesMasterId r:id="rId19"/>
+    <p:notesMasterId r:id="rId18"/>
   </p:notesMasterIdLst>
   <p:handoutMasterIdLst>
-    <p:handoutMasterId r:id="rId20"/>
+    <p:handoutMasterId r:id="rId19"/>
   </p:handoutMasterIdLst>
   <p:sldIdLst>
     <p:sldId id="269" r:id="rId2"/>
@@ -18,16 +18,15 @@
     <p:sldId id="351" r:id="rId6"/>
     <p:sldId id="353" r:id="rId7"/>
     <p:sldId id="354" r:id="rId8"/>
-    <p:sldId id="355" r:id="rId9"/>
-    <p:sldId id="356" r:id="rId10"/>
-    <p:sldId id="357" r:id="rId11"/>
-    <p:sldId id="360" r:id="rId12"/>
-    <p:sldId id="361" r:id="rId13"/>
-    <p:sldId id="362" r:id="rId14"/>
-    <p:sldId id="363" r:id="rId15"/>
-    <p:sldId id="358" r:id="rId16"/>
-    <p:sldId id="359" r:id="rId17"/>
-    <p:sldId id="364" r:id="rId18"/>
+    <p:sldId id="356" r:id="rId9"/>
+    <p:sldId id="357" r:id="rId10"/>
+    <p:sldId id="360" r:id="rId11"/>
+    <p:sldId id="361" r:id="rId12"/>
+    <p:sldId id="362" r:id="rId13"/>
+    <p:sldId id="363" r:id="rId14"/>
+    <p:sldId id="358" r:id="rId15"/>
+    <p:sldId id="359" r:id="rId16"/>
+    <p:sldId id="364" r:id="rId17"/>
   </p:sldIdLst>
   <p:sldSz cx="12192000" cy="6858000"/>
   <p:notesSz cx="6797675" cy="9926638"/>
@@ -227,7 +226,7 @@
           <a:p>
             <a:fld id="{1C948204-3A03-48C0-926A-1D9A3F1B9545}" type="datetimeFigureOut">
               <a:rPr lang="de-DE" smtClean="0"/>
-              <a:t>03.02.2020</a:t>
+              <a:t>04.02.2020</a:t>
             </a:fld>
             <a:endParaRPr lang="de-DE"/>
           </a:p>
@@ -392,7 +391,7 @@
           <a:p>
             <a:fld id="{3743E2BA-3F93-428C-8AA0-502F22A34CA1}" type="datetimeFigureOut">
               <a:rPr lang="de-DE" smtClean="0"/>
-              <a:t>03.02.2020</a:t>
+              <a:t>04.02.2020</a:t>
             </a:fld>
             <a:endParaRPr lang="de-DE"/>
           </a:p>
@@ -977,7 +976,7 @@
           <a:p>
             <a:fld id="{53A122DC-E65E-4831-B1FC-79371E1FDAFD}" type="datetime1">
               <a:rPr lang="de-DE" smtClean="0"/>
-              <a:t>03.02.2020</a:t>
+              <a:t>04.02.2020</a:t>
             </a:fld>
             <a:endParaRPr lang="de-DE"/>
           </a:p>
@@ -1099,7 +1098,7 @@
           <a:p>
             <a:fld id="{0EFD88E8-E3B4-4F63-9B6A-397BBE84E994}" type="datetime1">
               <a:rPr lang="de-DE" smtClean="0"/>
-              <a:t>03.02.2020</a:t>
+              <a:t>04.02.2020</a:t>
             </a:fld>
             <a:endParaRPr lang="de-DE"/>
           </a:p>
@@ -1219,7 +1218,7 @@
           <a:p>
             <a:fld id="{6B5520EA-7866-43CC-A22C-06A244395395}" type="datetime1">
               <a:rPr lang="de-DE" smtClean="0"/>
-              <a:t>03.02.2020</a:t>
+              <a:t>04.02.2020</a:t>
             </a:fld>
             <a:endParaRPr lang="de-DE"/>
           </a:p>
@@ -1468,7 +1467,7 @@
           <a:p>
             <a:fld id="{FFBFF599-8F9C-4CE2-8F58-C5B6B519BBF0}" type="datetime1">
               <a:rPr lang="de-DE" smtClean="0"/>
-              <a:t>03.02.2020</a:t>
+              <a:t>04.02.2020</a:t>
             </a:fld>
             <a:endParaRPr lang="de-DE"/>
           </a:p>
@@ -3089,7 +3088,7 @@
           <a:p>
             <a:fld id="{FEE94A3F-5697-4B72-A7D0-00CD2FB685A4}" type="datetime1">
               <a:rPr lang="de-DE" smtClean="0"/>
-              <a:t>03.02.2020</a:t>
+              <a:t>04.02.2020</a:t>
             </a:fld>
             <a:endParaRPr lang="de-DE"/>
           </a:p>
@@ -3331,7 +3330,7 @@
           <a:p>
             <a:fld id="{A927011E-07EB-4C65-B5CB-E33BDF76C761}" type="datetime1">
               <a:rPr lang="de-DE" smtClean="0"/>
-              <a:t>03.02.2020</a:t>
+              <a:t>04.02.2020</a:t>
             </a:fld>
             <a:endParaRPr lang="de-DE" dirty="0"/>
           </a:p>
@@ -3645,7 +3644,7 @@
           <a:p>
             <a:fld id="{38C7C6CE-E6DB-4DA4-8B2A-56FED52874C0}" type="datetime1">
               <a:rPr lang="de-DE" smtClean="0"/>
-              <a:t>03.02.2020</a:t>
+              <a:t>04.02.2020</a:t>
             </a:fld>
             <a:endParaRPr lang="de-DE"/>
           </a:p>
@@ -3777,7 +3776,7 @@
           <a:p>
             <a:fld id="{D9416DEA-2025-4EAA-BCBF-99C6698F7272}" type="datetime1">
               <a:rPr lang="de-DE" smtClean="0"/>
-              <a:t>03.02.2020</a:t>
+              <a:t>04.02.2020</a:t>
             </a:fld>
             <a:endParaRPr lang="de-DE"/>
           </a:p>
@@ -3993,7 +3992,7 @@
           <a:p>
             <a:fld id="{22571D38-B650-49C4-B5B7-5AC2E181F9D3}" type="datetime1">
               <a:rPr lang="de-DE" smtClean="0"/>
-              <a:t>03.02.2020</a:t>
+              <a:t>04.02.2020</a:t>
             </a:fld>
             <a:endParaRPr lang="de-DE" dirty="0"/>
           </a:p>
@@ -4585,7 +4584,7 @@
             </a:br>
             <a:r>
               <a:rPr lang="de-DE" dirty="0"/>
-              <a:t>Zielsetzung</a:t>
+              <a:t>Datensätze</a:t>
             </a:r>
           </a:p>
         </p:txBody>
@@ -4606,24 +4605,9 @@
           <a:lstStyle/>
           <a:p>
             <a:r>
-              <a:rPr lang="de-DE" dirty="0"/>
-              <a:t>Marco Philipp 70459905, Niklas Röske 70456600· Python </a:t>
-            </a:r>
-            <a:r>
-              <a:rPr lang="de-DE" dirty="0" err="1"/>
-              <a:t>Machine</a:t>
-            </a:r>
-            <a:r>
-              <a:rPr lang="de-DE" dirty="0"/>
-              <a:t> Learning: </a:t>
-            </a:r>
-            <a:r>
-              <a:rPr lang="de-DE" dirty="0" err="1"/>
-              <a:t>TensorFlow</a:t>
-            </a:r>
-            <a:endParaRPr lang="de-DE" dirty="0"/>
-          </a:p>
-          <a:p>
+              <a:rPr lang="de-DE"/>
+              <a:t>Marco Philipp 70459905, Niklas Röske 70456600· Python Machine Learning: TensorFlow</a:t>
+            </a:r>
             <a:endParaRPr lang="de-DE" dirty="0"/>
           </a:p>
         </p:txBody>
@@ -4668,7 +4652,7 @@
           <a:p>
             <a:fld id="{54E6CF9F-C543-40C0-8350-A441EA94497E}" type="datetime1">
               <a:rPr lang="de-DE" smtClean="0"/>
-              <a:t>03.02.2020</a:t>
+              <a:t>04.02.2020</a:t>
             </a:fld>
             <a:endParaRPr lang="de-DE" dirty="0"/>
           </a:p>
@@ -4702,7 +4686,7 @@
     </p:spTree>
     <p:extLst>
       <p:ext uri="{BB962C8B-B14F-4D97-AF65-F5344CB8AC3E}">
-        <p14:creationId xmlns:p14="http://schemas.microsoft.com/office/powerpoint/2010/main" val="3328634768"/>
+        <p14:creationId xmlns:p14="http://schemas.microsoft.com/office/powerpoint/2010/main" val="1008569157"/>
       </p:ext>
     </p:extLst>
   </p:cSld>
@@ -4758,7 +4742,7 @@
             </a:br>
             <a:r>
               <a:rPr lang="de-DE" dirty="0"/>
-              <a:t>Datensätze</a:t>
+              <a:t>Erstellen des Netzes</a:t>
             </a:r>
           </a:p>
         </p:txBody>
@@ -4826,7 +4810,7 @@
           <a:p>
             <a:fld id="{54E6CF9F-C543-40C0-8350-A441EA94497E}" type="datetime1">
               <a:rPr lang="de-DE" smtClean="0"/>
-              <a:t>03.02.2020</a:t>
+              <a:t>04.02.2020</a:t>
             </a:fld>
             <a:endParaRPr lang="de-DE" dirty="0"/>
           </a:p>
@@ -4853,14 +4837,38 @@
           <a:bodyPr/>
           <a:lstStyle/>
           <a:p>
-            <a:endParaRPr lang="de-DE"/>
+            <a:r>
+              <a:rPr lang="de-DE" dirty="0"/>
+              <a:t>Aufbau des Datenflussgraphen</a:t>
+            </a:r>
+          </a:p>
+          <a:p>
+            <a:r>
+              <a:rPr lang="de-DE" dirty="0"/>
+              <a:t>Backpropagation</a:t>
+            </a:r>
+          </a:p>
+          <a:p>
+            <a:r>
+              <a:rPr lang="de-DE" dirty="0"/>
+              <a:t>Aufteilung des Graphen möglich</a:t>
+            </a:r>
+          </a:p>
+          <a:p>
+            <a:r>
+              <a:rPr lang="de-DE" dirty="0"/>
+              <a:t>Abhängigkeiten klären</a:t>
+            </a:r>
+          </a:p>
+          <a:p>
+            <a:endParaRPr lang="de-DE" dirty="0"/>
           </a:p>
         </p:txBody>
       </p:sp>
     </p:spTree>
     <p:extLst>
       <p:ext uri="{BB962C8B-B14F-4D97-AF65-F5344CB8AC3E}">
-        <p14:creationId xmlns:p14="http://schemas.microsoft.com/office/powerpoint/2010/main" val="1008569157"/>
+        <p14:creationId xmlns:p14="http://schemas.microsoft.com/office/powerpoint/2010/main" val="1586480407"/>
       </p:ext>
     </p:extLst>
   </p:cSld>
@@ -4916,7 +4924,7 @@
             </a:br>
             <a:r>
               <a:rPr lang="de-DE" dirty="0"/>
-              <a:t>Erstellen des Netzes</a:t>
+              <a:t>Auswertung</a:t>
             </a:r>
           </a:p>
         </p:txBody>
@@ -4984,7 +4992,7 @@
           <a:p>
             <a:fld id="{54E6CF9F-C543-40C0-8350-A441EA94497E}" type="datetime1">
               <a:rPr lang="de-DE" smtClean="0"/>
-              <a:t>03.02.2020</a:t>
+              <a:t>04.02.2020</a:t>
             </a:fld>
             <a:endParaRPr lang="de-DE" dirty="0"/>
           </a:p>
@@ -5018,7 +5026,7 @@
     </p:spTree>
     <p:extLst>
       <p:ext uri="{BB962C8B-B14F-4D97-AF65-F5344CB8AC3E}">
-        <p14:creationId xmlns:p14="http://schemas.microsoft.com/office/powerpoint/2010/main" val="1586480407"/>
+        <p14:creationId xmlns:p14="http://schemas.microsoft.com/office/powerpoint/2010/main" val="4595868"/>
       </p:ext>
     </p:extLst>
   </p:cSld>
@@ -5074,7 +5082,7 @@
             </a:br>
             <a:r>
               <a:rPr lang="de-DE" dirty="0"/>
-              <a:t>Auswertung</a:t>
+              <a:t>Probleme</a:t>
             </a:r>
           </a:p>
         </p:txBody>
@@ -5142,7 +5150,7 @@
           <a:p>
             <a:fld id="{54E6CF9F-C543-40C0-8350-A441EA94497E}" type="datetime1">
               <a:rPr lang="de-DE" smtClean="0"/>
-              <a:t>03.02.2020</a:t>
+              <a:t>04.02.2020</a:t>
             </a:fld>
             <a:endParaRPr lang="de-DE" dirty="0"/>
           </a:p>
@@ -5169,14 +5177,26 @@
           <a:bodyPr/>
           <a:lstStyle/>
           <a:p>
-            <a:endParaRPr lang="de-DE"/>
+            <a:r>
+              <a:rPr lang="de-DE" dirty="0"/>
+              <a:t>Installation</a:t>
+            </a:r>
+          </a:p>
+          <a:p>
+            <a:r>
+              <a:rPr lang="de-DE" dirty="0"/>
+              <a:t>Einarbeitung</a:t>
+            </a:r>
+          </a:p>
+          <a:p>
+            <a:endParaRPr lang="de-DE" dirty="0"/>
           </a:p>
         </p:txBody>
       </p:sp>
     </p:spTree>
     <p:extLst>
       <p:ext uri="{BB962C8B-B14F-4D97-AF65-F5344CB8AC3E}">
-        <p14:creationId xmlns:p14="http://schemas.microsoft.com/office/powerpoint/2010/main" val="4595868"/>
+        <p14:creationId xmlns:p14="http://schemas.microsoft.com/office/powerpoint/2010/main" val="3525483852"/>
       </p:ext>
     </p:extLst>
   </p:cSld>
@@ -5225,14 +5245,7 @@
           <a:p>
             <a:r>
               <a:rPr lang="de-DE" dirty="0"/>
-              <a:t>Praktisches Beispiel</a:t>
-            </a:r>
-            <a:br>
-              <a:rPr lang="de-DE" dirty="0"/>
-            </a:br>
-            <a:r>
-              <a:rPr lang="de-DE" dirty="0"/>
-              <a:t>Probleme</a:t>
+              <a:t>Andere Versionen</a:t>
             </a:r>
           </a:p>
         </p:txBody>
@@ -5300,7 +5313,7 @@
           <a:p>
             <a:fld id="{54E6CF9F-C543-40C0-8350-A441EA94497E}" type="datetime1">
               <a:rPr lang="de-DE" smtClean="0"/>
-              <a:t>03.02.2020</a:t>
+              <a:t>04.02.2020</a:t>
             </a:fld>
             <a:endParaRPr lang="de-DE" dirty="0"/>
           </a:p>
@@ -5327,26 +5340,14 @@
           <a:bodyPr/>
           <a:lstStyle/>
           <a:p>
-            <a:r>
-              <a:rPr lang="de-DE" dirty="0"/>
-              <a:t>Installation</a:t>
-            </a:r>
-          </a:p>
-          <a:p>
-            <a:r>
-              <a:rPr lang="de-DE" dirty="0"/>
-              <a:t>Einarbeitung</a:t>
-            </a:r>
-          </a:p>
-          <a:p>
-            <a:endParaRPr lang="de-DE" dirty="0"/>
+            <a:endParaRPr lang="de-DE"/>
           </a:p>
         </p:txBody>
       </p:sp>
     </p:spTree>
     <p:extLst>
       <p:ext uri="{BB962C8B-B14F-4D97-AF65-F5344CB8AC3E}">
-        <p14:creationId xmlns:p14="http://schemas.microsoft.com/office/powerpoint/2010/main" val="3525483852"/>
+        <p14:creationId xmlns:p14="http://schemas.microsoft.com/office/powerpoint/2010/main" val="488682003"/>
       </p:ext>
     </p:extLst>
   </p:cSld>
@@ -5395,7 +5396,7 @@
           <a:p>
             <a:r>
               <a:rPr lang="de-DE" dirty="0"/>
-              <a:t>Andere Versionen</a:t>
+              <a:t>Fazit</a:t>
             </a:r>
           </a:p>
         </p:txBody>
@@ -5463,7 +5464,7 @@
           <a:p>
             <a:fld id="{54E6CF9F-C543-40C0-8350-A441EA94497E}" type="datetime1">
               <a:rPr lang="de-DE" smtClean="0"/>
-              <a:t>03.02.2020</a:t>
+              <a:t>04.02.2020</a:t>
             </a:fld>
             <a:endParaRPr lang="de-DE" dirty="0"/>
           </a:p>
@@ -5497,7 +5498,7 @@
     </p:spTree>
     <p:extLst>
       <p:ext uri="{BB962C8B-B14F-4D97-AF65-F5344CB8AC3E}">
-        <p14:creationId xmlns:p14="http://schemas.microsoft.com/office/powerpoint/2010/main" val="488682003"/>
+        <p14:creationId xmlns:p14="http://schemas.microsoft.com/office/powerpoint/2010/main" val="3517426710"/>
       </p:ext>
     </p:extLst>
   </p:cSld>
@@ -5541,12 +5542,14 @@
           </a:xfrm>
         </p:spPr>
         <p:txBody>
-          <a:bodyPr/>
-          <a:lstStyle/>
-          <a:p>
-            <a:r>
-              <a:rPr lang="de-DE" dirty="0"/>
-              <a:t>Fazit</a:t>
+          <a:bodyPr>
+            <a:normAutofit/>
+          </a:bodyPr>
+          <a:lstStyle/>
+          <a:p>
+            <a:r>
+              <a:rPr lang="de-DE" dirty="0"/>
+              <a:t>Titel</a:t>
             </a:r>
           </a:p>
         </p:txBody>
@@ -5614,7 +5617,7 @@
           <a:p>
             <a:fld id="{54E6CF9F-C543-40C0-8350-A441EA94497E}" type="datetime1">
               <a:rPr lang="de-DE" smtClean="0"/>
-              <a:t>03.02.2020</a:t>
+              <a:t>04.02.2020</a:t>
             </a:fld>
             <a:endParaRPr lang="de-DE" dirty="0"/>
           </a:p>
@@ -5641,160 +5644,7 @@
           <a:bodyPr/>
           <a:lstStyle/>
           <a:p>
-            <a:endParaRPr lang="de-DE"/>
-          </a:p>
-        </p:txBody>
-      </p:sp>
-    </p:spTree>
-    <p:extLst>
-      <p:ext uri="{BB962C8B-B14F-4D97-AF65-F5344CB8AC3E}">
-        <p14:creationId xmlns:p14="http://schemas.microsoft.com/office/powerpoint/2010/main" val="3517426710"/>
-      </p:ext>
-    </p:extLst>
-  </p:cSld>
-  <p:clrMapOvr>
-    <a:masterClrMapping/>
-  </p:clrMapOvr>
-</p:sld>
-</file>
-
-<file path=ppt/slides/slide17.xml><?xml version="1.0" encoding="utf-8"?>
-<p:sld xmlns:a="http://schemas.openxmlformats.org/drawingml/2006/main" xmlns:r="http://schemas.openxmlformats.org/officeDocument/2006/relationships" xmlns:p="http://schemas.openxmlformats.org/presentationml/2006/main">
-  <p:cSld>
-    <p:spTree>
-      <p:nvGrpSpPr>
-        <p:cNvPr id="1" name=""/>
-        <p:cNvGrpSpPr/>
-        <p:nvPr/>
-      </p:nvGrpSpPr>
-      <p:grpSpPr>
-        <a:xfrm>
-          <a:off x="0" y="0"/>
-          <a:ext cx="0" cy="0"/>
-          <a:chOff x="0" y="0"/>
-          <a:chExt cx="0" cy="0"/>
-        </a:xfrm>
-      </p:grpSpPr>
-      <p:sp>
-        <p:nvSpPr>
-          <p:cNvPr id="2" name="Titel 1"/>
-          <p:cNvSpPr>
-            <a:spLocks noGrp="1"/>
-          </p:cNvSpPr>
-          <p:nvPr>
-            <p:ph type="title"/>
-          </p:nvPr>
-        </p:nvSpPr>
-        <p:spPr>
-          <a:xfrm>
-            <a:off x="487446" y="990599"/>
-            <a:ext cx="11224554" cy="685800"/>
-          </a:xfrm>
-        </p:spPr>
-        <p:txBody>
-          <a:bodyPr>
-            <a:normAutofit/>
-          </a:bodyPr>
-          <a:lstStyle/>
-          <a:p>
-            <a:r>
-              <a:rPr lang="de-DE" dirty="0"/>
-              <a:t>Titel</a:t>
-            </a:r>
-          </a:p>
-        </p:txBody>
-      </p:sp>
-      <p:sp>
-        <p:nvSpPr>
-          <p:cNvPr id="5" name="Fußzeilenplatzhalter 4"/>
-          <p:cNvSpPr>
-            <a:spLocks noGrp="1"/>
-          </p:cNvSpPr>
-          <p:nvPr>
-            <p:ph type="ftr" sz="quarter" idx="11"/>
-          </p:nvPr>
-        </p:nvSpPr>
-        <p:spPr/>
-        <p:txBody>
-          <a:bodyPr/>
-          <a:lstStyle/>
-          <a:p>
-            <a:r>
-              <a:rPr lang="de-DE"/>
-              <a:t>Marco Philipp 70459905, Niklas Röske 70456600· Python Machine Learning: TensorFlow</a:t>
-            </a:r>
             <a:endParaRPr lang="de-DE" dirty="0"/>
-          </a:p>
-        </p:txBody>
-      </p:sp>
-      <p:sp>
-        <p:nvSpPr>
-          <p:cNvPr id="6" name="Foliennummernplatzhalter 5"/>
-          <p:cNvSpPr>
-            <a:spLocks noGrp="1"/>
-          </p:cNvSpPr>
-          <p:nvPr>
-            <p:ph type="sldNum" sz="quarter" idx="12"/>
-          </p:nvPr>
-        </p:nvSpPr>
-        <p:spPr/>
-        <p:txBody>
-          <a:bodyPr/>
-          <a:lstStyle/>
-          <a:p>
-            <a:fld id="{70C9534A-BDEF-4E2F-87B7-7CFE3C6EE2A5}" type="slidenum">
-              <a:rPr lang="de-DE" smtClean="0"/>
-              <a:t>17</a:t>
-            </a:fld>
-            <a:endParaRPr lang="de-DE" dirty="0"/>
-          </a:p>
-        </p:txBody>
-      </p:sp>
-      <p:sp>
-        <p:nvSpPr>
-          <p:cNvPr id="4" name="Datumsplatzhalter 3"/>
-          <p:cNvSpPr>
-            <a:spLocks noGrp="1"/>
-          </p:cNvSpPr>
-          <p:nvPr>
-            <p:ph type="dt" sz="half" idx="10"/>
-          </p:nvPr>
-        </p:nvSpPr>
-        <p:spPr/>
-        <p:txBody>
-          <a:bodyPr/>
-          <a:lstStyle/>
-          <a:p>
-            <a:fld id="{54E6CF9F-C543-40C0-8350-A441EA94497E}" type="datetime1">
-              <a:rPr lang="de-DE" smtClean="0"/>
-              <a:t>03.02.2020</a:t>
-            </a:fld>
-            <a:endParaRPr lang="de-DE" dirty="0"/>
-          </a:p>
-        </p:txBody>
-      </p:sp>
-      <p:sp>
-        <p:nvSpPr>
-          <p:cNvPr id="8" name="Inhaltsplatzhalter 7">
-            <a:extLst>
-              <a:ext uri="{FF2B5EF4-FFF2-40B4-BE49-F238E27FC236}">
-                <a16:creationId xmlns:a16="http://schemas.microsoft.com/office/drawing/2014/main" id="{C0F38407-A961-4580-8B6C-9B3834F54617}"/>
-              </a:ext>
-            </a:extLst>
-          </p:cNvPr>
-          <p:cNvSpPr>
-            <a:spLocks noGrp="1"/>
-          </p:cNvSpPr>
-          <p:nvPr>
-            <p:ph idx="1"/>
-          </p:nvPr>
-        </p:nvSpPr>
-        <p:spPr/>
-        <p:txBody>
-          <a:bodyPr/>
-          <a:lstStyle/>
-          <a:p>
-            <a:endParaRPr lang="de-DE"/>
           </a:p>
         </p:txBody>
       </p:sp>
@@ -5935,7 +5785,7 @@
           <a:p>
             <a:fld id="{54E6CF9F-C543-40C0-8350-A441EA94497E}" type="datetime1">
               <a:rPr lang="de-DE" smtClean="0"/>
-              <a:t>03.02.2020</a:t>
+              <a:t>04.02.2020</a:t>
             </a:fld>
             <a:endParaRPr lang="de-DE" dirty="0"/>
           </a:p>
@@ -6140,7 +5990,7 @@
           <a:p>
             <a:fld id="{54E6CF9F-C543-40C0-8350-A441EA94497E}" type="datetime1">
               <a:rPr lang="de-DE" smtClean="0"/>
-              <a:t>03.02.2020</a:t>
+              <a:t>04.02.2020</a:t>
             </a:fld>
             <a:endParaRPr lang="de-DE" dirty="0"/>
           </a:p>
@@ -6167,7 +6017,7 @@
           <a:bodyPr/>
           <a:lstStyle/>
           <a:p>
-            <a:endParaRPr lang="de-DE"/>
+            <a:endParaRPr lang="de-DE" dirty="0"/>
           </a:p>
         </p:txBody>
       </p:sp>
@@ -6296,7 +6146,7 @@
           <a:p>
             <a:fld id="{54E6CF9F-C543-40C0-8350-A441EA94497E}" type="datetime1">
               <a:rPr lang="de-DE" smtClean="0"/>
-              <a:t>03.02.2020</a:t>
+              <a:t>04.02.2020</a:t>
             </a:fld>
             <a:endParaRPr lang="de-DE" dirty="0"/>
           </a:p>
@@ -6323,7 +6173,54 @@
           <a:bodyPr/>
           <a:lstStyle/>
           <a:p>
-            <a:endParaRPr lang="de-DE"/>
+            <a:r>
+              <a:rPr lang="de-DE" dirty="0"/>
+              <a:t>2015 Google</a:t>
+            </a:r>
+          </a:p>
+          <a:p>
+            <a:r>
+              <a:rPr lang="de-DE" dirty="0"/>
+              <a:t>Framework</a:t>
+            </a:r>
+          </a:p>
+          <a:p>
+            <a:r>
+              <a:rPr lang="de-DE" dirty="0"/>
+              <a:t>Vereinfachung Arbeit mit Neuronaler Netze</a:t>
+            </a:r>
+          </a:p>
+          <a:p>
+            <a:r>
+              <a:rPr lang="de-DE"/>
+              <a:t>Datenflussgraph</a:t>
+            </a:r>
+            <a:endParaRPr lang="de-DE" dirty="0"/>
+          </a:p>
+          <a:p>
+            <a:r>
+              <a:rPr lang="de-DE" dirty="0"/>
+              <a:t>Portierbarkeit</a:t>
+            </a:r>
+          </a:p>
+          <a:p>
+            <a:r>
+              <a:rPr lang="de-DE" dirty="0"/>
+              <a:t>Flexibilität</a:t>
+            </a:r>
+          </a:p>
+          <a:p>
+            <a:r>
+              <a:rPr lang="de-DE" dirty="0"/>
+              <a:t>Abstraktionsbibliotheken</a:t>
+            </a:r>
+          </a:p>
+          <a:p>
+            <a:r>
+              <a:rPr lang="de-DE" dirty="0" err="1"/>
+              <a:t>Tensorboard</a:t>
+            </a:r>
+            <a:endParaRPr lang="de-DE" dirty="0"/>
           </a:p>
         </p:txBody>
       </p:sp>
@@ -6447,7 +6344,7 @@
           <a:p>
             <a:fld id="{54E6CF9F-C543-40C0-8350-A441EA94497E}" type="datetime1">
               <a:rPr lang="de-DE" smtClean="0"/>
-              <a:t>03.02.2020</a:t>
+              <a:t>04.02.2020</a:t>
             </a:fld>
             <a:endParaRPr lang="de-DE" dirty="0"/>
           </a:p>
@@ -6602,7 +6499,7 @@
           <a:p>
             <a:fld id="{54E6CF9F-C543-40C0-8350-A441EA94497E}" type="datetime1">
               <a:rPr lang="de-DE" smtClean="0"/>
-              <a:t>03.02.2020</a:t>
+              <a:t>04.02.2020</a:t>
             </a:fld>
             <a:endParaRPr lang="de-DE" dirty="0"/>
           </a:p>
@@ -6639,6 +6536,9 @@
               <a:rPr lang="de-DE" dirty="0"/>
               <a:t>Bestehen aus mathematischen Tensoren</a:t>
             </a:r>
+          </a:p>
+          <a:p>
+            <a:endParaRPr lang="de-DE" dirty="0"/>
           </a:p>
         </p:txBody>
       </p:sp>
@@ -6762,7 +6662,7 @@
           <a:p>
             <a:fld id="{54E6CF9F-C543-40C0-8350-A441EA94497E}" type="datetime1">
               <a:rPr lang="de-DE" smtClean="0"/>
-              <a:t>03.02.2020</a:t>
+              <a:t>04.02.2020</a:t>
             </a:fld>
             <a:endParaRPr lang="de-DE" dirty="0"/>
           </a:p>
@@ -6845,7 +6745,7 @@
           <a:p>
             <a:r>
               <a:rPr lang="de-DE" dirty="0"/>
-              <a:t>Unterschiede zu anderen Frameworks</a:t>
+              <a:t>Trainieren eines Neuronalen Netzes</a:t>
             </a:r>
           </a:p>
         </p:txBody>
@@ -6866,10 +6766,28 @@
           <a:lstStyle/>
           <a:p>
             <a:r>
-              <a:rPr lang="de-DE"/>
-              <a:t>Marco Philipp 70459905, Niklas Röske 70456600· Python Machine Learning: TensorFlow</a:t>
+              <a:rPr lang="de-DE" dirty="0"/>
+              <a:t>Marco Philipp 70459905, Niklas Röske 70456600· Python </a:t>
+            </a:r>
+            <a:r>
+              <a:rPr lang="de-DE" dirty="0" err="1"/>
+              <a:t>Machine</a:t>
+            </a:r>
+            <a:r>
+              <a:rPr lang="de-DE" dirty="0"/>
+              <a:t> Learning: </a:t>
+            </a:r>
+            <a:r>
+              <a:rPr lang="de-DE" dirty="0" err="1"/>
+              <a:t>TensorFlow</a:t>
             </a:r>
             <a:endParaRPr lang="de-DE" dirty="0"/>
+          </a:p>
+          <a:p>
+            <a:r>
+              <a:rPr lang="de-DE" dirty="0"/>
+              <a:t>l</a:t>
+            </a:r>
           </a:p>
         </p:txBody>
       </p:sp>
@@ -6913,7 +6831,7 @@
           <a:p>
             <a:fld id="{54E6CF9F-C543-40C0-8350-A441EA94497E}" type="datetime1">
               <a:rPr lang="de-DE" smtClean="0"/>
-              <a:t>03.02.2020</a:t>
+              <a:t>04.02.2020</a:t>
             </a:fld>
             <a:endParaRPr lang="de-DE" dirty="0"/>
           </a:p>
@@ -6940,23 +6858,14 @@
           <a:bodyPr/>
           <a:lstStyle/>
           <a:p>
-            <a:r>
-              <a:rPr lang="de-DE" dirty="0"/>
-              <a:t>Aufteilung des Graphen möglich</a:t>
-            </a:r>
-          </a:p>
-          <a:p>
-            <a:r>
-              <a:rPr lang="de-DE" dirty="0"/>
-              <a:t>Abhängigkeiten klären</a:t>
-            </a:r>
+            <a:endParaRPr lang="de-DE"/>
           </a:p>
         </p:txBody>
       </p:sp>
     </p:spTree>
     <p:extLst>
       <p:ext uri="{BB962C8B-B14F-4D97-AF65-F5344CB8AC3E}">
-        <p14:creationId xmlns:p14="http://schemas.microsoft.com/office/powerpoint/2010/main" val="2800532284"/>
+        <p14:creationId xmlns:p14="http://schemas.microsoft.com/office/powerpoint/2010/main" val="3669109349"/>
       </p:ext>
     </p:extLst>
   </p:cSld>
@@ -7005,7 +6914,14 @@
           <a:p>
             <a:r>
               <a:rPr lang="de-DE" dirty="0"/>
-              <a:t>Trainieren eines Neuronalen Netzes</a:t>
+              <a:t>Praktisches Beispiel</a:t>
+            </a:r>
+            <a:br>
+              <a:rPr lang="de-DE" dirty="0"/>
+            </a:br>
+            <a:r>
+              <a:rPr lang="de-DE" dirty="0"/>
+              <a:t>Zielsetzung</a:t>
             </a:r>
           </a:p>
         </p:txBody>
@@ -7044,10 +6960,7 @@
             <a:endParaRPr lang="de-DE" dirty="0"/>
           </a:p>
           <a:p>
-            <a:r>
-              <a:rPr lang="de-DE" dirty="0"/>
-              <a:t>l</a:t>
-            </a:r>
+            <a:endParaRPr lang="de-DE" dirty="0"/>
           </a:p>
         </p:txBody>
       </p:sp>
@@ -7091,7 +7004,7 @@
           <a:p>
             <a:fld id="{54E6CF9F-C543-40C0-8350-A441EA94497E}" type="datetime1">
               <a:rPr lang="de-DE" smtClean="0"/>
-              <a:t>03.02.2020</a:t>
+              <a:t>04.02.2020</a:t>
             </a:fld>
             <a:endParaRPr lang="de-DE" dirty="0"/>
           </a:p>
@@ -7125,7 +7038,7 @@
     </p:spTree>
     <p:extLst>
       <p:ext uri="{BB962C8B-B14F-4D97-AF65-F5344CB8AC3E}">
-        <p14:creationId xmlns:p14="http://schemas.microsoft.com/office/powerpoint/2010/main" val="3669109349"/>
+        <p14:creationId xmlns:p14="http://schemas.microsoft.com/office/powerpoint/2010/main" val="3328634768"/>
       </p:ext>
     </p:extLst>
   </p:cSld>
